--- a/Presentation/RayTracing.pptx
+++ b/Presentation/RayTracing.pptx
@@ -1,22 +1,117 @@
 
 <file path=ppt/presentation.xml><?xml version="1.0" encoding="utf-8"?>
-<p:presentation xmlns:a="http://schemas.openxmlformats.org/drawingml/2006/main" xmlns:p="http://schemas.openxmlformats.org/presentationml/2006/main" xmlns:r="http://schemas.openxmlformats.org/officeDocument/2006/relationships" xmlns:p14="http://schemas.microsoft.com/office/powerpoint/2010/main" xmlns:p15="http://schemas.microsoft.com/office/powerpoint/2012/main" xmlns:mc="http://schemas.openxmlformats.org/markup-compatibility/2006">
+<p:presentation xmlns:a="http://schemas.openxmlformats.org/drawingml/2006/main" xmlns:r="http://schemas.openxmlformats.org/officeDocument/2006/relationships" xmlns:p="http://schemas.openxmlformats.org/presentationml/2006/main">
   <p:sldMasterIdLst>
-    <p:sldMasterId id="2147483648" r:id="rId2"/>
+    <p:sldMasterId id="2147483648" r:id="rId1"/>
   </p:sldMasterIdLst>
   <p:sldIdLst>
-    <p:sldId id="256" r:id="rId3"/>
-    <p:sldId id="257" r:id="rId4"/>
-    <p:sldId id="258" r:id="rId5"/>
-    <p:sldId id="259" r:id="rId6"/>
+    <p:sldId id="256" r:id="rId2"/>
+    <p:sldId id="257" r:id="rId3"/>
+    <p:sldId id="258" r:id="rId4"/>
+    <p:sldId id="259" r:id="rId5"/>
   </p:sldIdLst>
   <p:sldSz cx="12192000" cy="6858000"/>
-  <p:notesSz cx="7559675" cy="10691812"/>
+  <p:notesSz cx="7559675" cy="10691813"/>
+  <p:defaultTextStyle>
+    <a:defPPr>
+      <a:defRPr lang="ko-KR"/>
+    </a:defPPr>
+    <a:lvl1pPr marL="0" algn="l" defTabSz="914400" rtl="0" eaLnBrk="1" latinLnBrk="1" hangingPunct="1">
+      <a:defRPr sz="1800" kern="1200">
+        <a:solidFill>
+          <a:schemeClr val="tx1"/>
+        </a:solidFill>
+        <a:latin typeface="+mn-lt"/>
+        <a:ea typeface="+mn-ea"/>
+        <a:cs typeface="+mn-cs"/>
+      </a:defRPr>
+    </a:lvl1pPr>
+    <a:lvl2pPr marL="457200" algn="l" defTabSz="914400" rtl="0" eaLnBrk="1" latinLnBrk="1" hangingPunct="1">
+      <a:defRPr sz="1800" kern="1200">
+        <a:solidFill>
+          <a:schemeClr val="tx1"/>
+        </a:solidFill>
+        <a:latin typeface="+mn-lt"/>
+        <a:ea typeface="+mn-ea"/>
+        <a:cs typeface="+mn-cs"/>
+      </a:defRPr>
+    </a:lvl2pPr>
+    <a:lvl3pPr marL="914400" algn="l" defTabSz="914400" rtl="0" eaLnBrk="1" latinLnBrk="1" hangingPunct="1">
+      <a:defRPr sz="1800" kern="1200">
+        <a:solidFill>
+          <a:schemeClr val="tx1"/>
+        </a:solidFill>
+        <a:latin typeface="+mn-lt"/>
+        <a:ea typeface="+mn-ea"/>
+        <a:cs typeface="+mn-cs"/>
+      </a:defRPr>
+    </a:lvl3pPr>
+    <a:lvl4pPr marL="1371600" algn="l" defTabSz="914400" rtl="0" eaLnBrk="1" latinLnBrk="1" hangingPunct="1">
+      <a:defRPr sz="1800" kern="1200">
+        <a:solidFill>
+          <a:schemeClr val="tx1"/>
+        </a:solidFill>
+        <a:latin typeface="+mn-lt"/>
+        <a:ea typeface="+mn-ea"/>
+        <a:cs typeface="+mn-cs"/>
+      </a:defRPr>
+    </a:lvl4pPr>
+    <a:lvl5pPr marL="1828800" algn="l" defTabSz="914400" rtl="0" eaLnBrk="1" latinLnBrk="1" hangingPunct="1">
+      <a:defRPr sz="1800" kern="1200">
+        <a:solidFill>
+          <a:schemeClr val="tx1"/>
+        </a:solidFill>
+        <a:latin typeface="+mn-lt"/>
+        <a:ea typeface="+mn-ea"/>
+        <a:cs typeface="+mn-cs"/>
+      </a:defRPr>
+    </a:lvl5pPr>
+    <a:lvl6pPr marL="2286000" algn="l" defTabSz="914400" rtl="0" eaLnBrk="1" latinLnBrk="1" hangingPunct="1">
+      <a:defRPr sz="1800" kern="1200">
+        <a:solidFill>
+          <a:schemeClr val="tx1"/>
+        </a:solidFill>
+        <a:latin typeface="+mn-lt"/>
+        <a:ea typeface="+mn-ea"/>
+        <a:cs typeface="+mn-cs"/>
+      </a:defRPr>
+    </a:lvl6pPr>
+    <a:lvl7pPr marL="2743200" algn="l" defTabSz="914400" rtl="0" eaLnBrk="1" latinLnBrk="1" hangingPunct="1">
+      <a:defRPr sz="1800" kern="1200">
+        <a:solidFill>
+          <a:schemeClr val="tx1"/>
+        </a:solidFill>
+        <a:latin typeface="+mn-lt"/>
+        <a:ea typeface="+mn-ea"/>
+        <a:cs typeface="+mn-cs"/>
+      </a:defRPr>
+    </a:lvl7pPr>
+    <a:lvl8pPr marL="3200400" algn="l" defTabSz="914400" rtl="0" eaLnBrk="1" latinLnBrk="1" hangingPunct="1">
+      <a:defRPr sz="1800" kern="1200">
+        <a:solidFill>
+          <a:schemeClr val="tx1"/>
+        </a:solidFill>
+        <a:latin typeface="+mn-lt"/>
+        <a:ea typeface="+mn-ea"/>
+        <a:cs typeface="+mn-cs"/>
+      </a:defRPr>
+    </a:lvl8pPr>
+    <a:lvl9pPr marL="3657600" algn="l" defTabSz="914400" rtl="0" eaLnBrk="1" latinLnBrk="1" hangingPunct="1">
+      <a:defRPr sz="1800" kern="1200">
+        <a:solidFill>
+          <a:schemeClr val="tx1"/>
+        </a:solidFill>
+        <a:latin typeface="+mn-lt"/>
+        <a:ea typeface="+mn-ea"/>
+        <a:cs typeface="+mn-cs"/>
+      </a:defRPr>
+    </a:lvl9pPr>
+  </p:defaultTextStyle>
 </p:presentation>
 </file>
 
 <file path=ppt/slideLayouts/slideLayout1.xml><?xml version="1.0" encoding="utf-8"?>
-<p:sldLayout xmlns:a="http://schemas.openxmlformats.org/drawingml/2006/main" xmlns:p="http://schemas.openxmlformats.org/presentationml/2006/main" xmlns:r="http://schemas.openxmlformats.org/officeDocument/2006/relationships" xmlns:p14="http://schemas.microsoft.com/office/powerpoint/2010/main" xmlns:p15="http://schemas.microsoft.com/office/powerpoint/2012/main" xmlns:mc="http://schemas.openxmlformats.org/markup-compatibility/2006" type="blank" preserve="1">
+<p:sldLayout xmlns:a="http://schemas.openxmlformats.org/drawingml/2006/main" xmlns:r="http://schemas.openxmlformats.org/officeDocument/2006/relationships" xmlns:p="http://schemas.openxmlformats.org/presentationml/2006/main" type="blank" preserve="1">
   <p:cSld name="Blank Slide">
     <p:spTree>
       <p:nvGrpSpPr>
@@ -34,11 +129,14 @@
       </p:grpSpPr>
     </p:spTree>
   </p:cSld>
+  <p:clrMapOvr>
+    <a:masterClrMapping/>
+  </p:clrMapOvr>
 </p:sldLayout>
 </file>
 
 <file path=ppt/slideLayouts/slideLayout10.xml><?xml version="1.0" encoding="utf-8"?>
-<p:sldLayout xmlns:a="http://schemas.openxmlformats.org/drawingml/2006/main" xmlns:p="http://schemas.openxmlformats.org/presentationml/2006/main" xmlns:r="http://schemas.openxmlformats.org/officeDocument/2006/relationships" xmlns:p14="http://schemas.microsoft.com/office/powerpoint/2010/main" xmlns:p15="http://schemas.microsoft.com/office/powerpoint/2012/main" xmlns:mc="http://schemas.openxmlformats.org/markup-compatibility/2006" type="objOverTx" preserve="1">
+<p:sldLayout xmlns:a="http://schemas.openxmlformats.org/drawingml/2006/main" xmlns:r="http://schemas.openxmlformats.org/officeDocument/2006/relationships" xmlns:p="http://schemas.openxmlformats.org/presentationml/2006/main" type="objOverTx" preserve="1">
   <p:cSld name="Title, Content over Content">
     <p:spTree>
       <p:nvGrpSpPr>
@@ -74,9 +172,10 @@
           </a:prstGeom>
         </p:spPr>
         <p:txBody>
-          <a:bodyPr lIns="0" rIns="0" tIns="0" bIns="0" anchor="ctr"/>
-          <a:p>
-            <a:endParaRPr b="0" lang="ko-KR" sz="1800" spc="-1" strike="noStrike">
+          <a:bodyPr lIns="0" tIns="0" rIns="0" bIns="0" anchor="ctr"/>
+          <a:lstStyle/>
+          <a:p>
+            <a:endParaRPr lang="ko-KR" sz="1800" b="0" strike="noStrike" spc="-1">
               <a:solidFill>
                 <a:srgbClr val="000000"/>
               </a:solidFill>
@@ -105,11 +204,12 @@
           </a:prstGeom>
         </p:spPr>
         <p:txBody>
-          <a:bodyPr lIns="0" rIns="0" tIns="0" bIns="0">
+          <a:bodyPr lIns="0" tIns="0" rIns="0" bIns="0">
             <a:normAutofit/>
           </a:bodyPr>
-          <a:p>
-            <a:endParaRPr b="0" lang="ko-KR" sz="2800" spc="-1" strike="noStrike">
+          <a:lstStyle/>
+          <a:p>
+            <a:endParaRPr lang="ko-KR" sz="2800" b="0" strike="noStrike" spc="-1">
               <a:solidFill>
                 <a:srgbClr val="000000"/>
               </a:solidFill>
@@ -138,11 +238,12 @@
           </a:prstGeom>
         </p:spPr>
         <p:txBody>
-          <a:bodyPr lIns="0" rIns="0" tIns="0" bIns="0">
+          <a:bodyPr lIns="0" tIns="0" rIns="0" bIns="0">
             <a:normAutofit/>
           </a:bodyPr>
-          <a:p>
-            <a:endParaRPr b="0" lang="ko-KR" sz="2800" spc="-1" strike="noStrike">
+          <a:lstStyle/>
+          <a:p>
+            <a:endParaRPr lang="ko-KR" sz="2800" b="0" strike="noStrike" spc="-1">
               <a:solidFill>
                 <a:srgbClr val="000000"/>
               </a:solidFill>
@@ -153,11 +254,14 @@
       </p:sp>
     </p:spTree>
   </p:cSld>
+  <p:clrMapOvr>
+    <a:masterClrMapping/>
+  </p:clrMapOvr>
 </p:sldLayout>
 </file>
 
 <file path=ppt/slideLayouts/slideLayout11.xml><?xml version="1.0" encoding="utf-8"?>
-<p:sldLayout xmlns:a="http://schemas.openxmlformats.org/drawingml/2006/main" xmlns:p="http://schemas.openxmlformats.org/presentationml/2006/main" xmlns:r="http://schemas.openxmlformats.org/officeDocument/2006/relationships" xmlns:p14="http://schemas.microsoft.com/office/powerpoint/2010/main" xmlns:p15="http://schemas.microsoft.com/office/powerpoint/2012/main" xmlns:mc="http://schemas.openxmlformats.org/markup-compatibility/2006" type="fourObj" preserve="1">
+<p:sldLayout xmlns:a="http://schemas.openxmlformats.org/drawingml/2006/main" xmlns:r="http://schemas.openxmlformats.org/officeDocument/2006/relationships" xmlns:p="http://schemas.openxmlformats.org/presentationml/2006/main" type="fourObj" preserve="1">
   <p:cSld name="Title, 4 Content">
     <p:spTree>
       <p:nvGrpSpPr>
@@ -193,9 +297,10 @@
           </a:prstGeom>
         </p:spPr>
         <p:txBody>
-          <a:bodyPr lIns="0" rIns="0" tIns="0" bIns="0" anchor="ctr"/>
-          <a:p>
-            <a:endParaRPr b="0" lang="ko-KR" sz="1800" spc="-1" strike="noStrike">
+          <a:bodyPr lIns="0" tIns="0" rIns="0" bIns="0" anchor="ctr"/>
+          <a:lstStyle/>
+          <a:p>
+            <a:endParaRPr lang="ko-KR" sz="1800" b="0" strike="noStrike" spc="-1">
               <a:solidFill>
                 <a:srgbClr val="000000"/>
               </a:solidFill>
@@ -224,11 +329,12 @@
           </a:prstGeom>
         </p:spPr>
         <p:txBody>
-          <a:bodyPr lIns="0" rIns="0" tIns="0" bIns="0">
+          <a:bodyPr lIns="0" tIns="0" rIns="0" bIns="0">
             <a:normAutofit/>
           </a:bodyPr>
-          <a:p>
-            <a:endParaRPr b="0" lang="ko-KR" sz="2800" spc="-1" strike="noStrike">
+          <a:lstStyle/>
+          <a:p>
+            <a:endParaRPr lang="ko-KR" sz="2800" b="0" strike="noStrike" spc="-1">
               <a:solidFill>
                 <a:srgbClr val="000000"/>
               </a:solidFill>
@@ -257,11 +363,12 @@
           </a:prstGeom>
         </p:spPr>
         <p:txBody>
-          <a:bodyPr lIns="0" rIns="0" tIns="0" bIns="0">
+          <a:bodyPr lIns="0" tIns="0" rIns="0" bIns="0">
             <a:normAutofit/>
           </a:bodyPr>
-          <a:p>
-            <a:endParaRPr b="0" lang="ko-KR" sz="2800" spc="-1" strike="noStrike">
+          <a:lstStyle/>
+          <a:p>
+            <a:endParaRPr lang="ko-KR" sz="2800" b="0" strike="noStrike" spc="-1">
               <a:solidFill>
                 <a:srgbClr val="000000"/>
               </a:solidFill>
@@ -290,11 +397,12 @@
           </a:prstGeom>
         </p:spPr>
         <p:txBody>
-          <a:bodyPr lIns="0" rIns="0" tIns="0" bIns="0">
+          <a:bodyPr lIns="0" tIns="0" rIns="0" bIns="0">
             <a:normAutofit/>
           </a:bodyPr>
-          <a:p>
-            <a:endParaRPr b="0" lang="ko-KR" sz="2800" spc="-1" strike="noStrike">
+          <a:lstStyle/>
+          <a:p>
+            <a:endParaRPr lang="ko-KR" sz="2800" b="0" strike="noStrike" spc="-1">
               <a:solidFill>
                 <a:srgbClr val="000000"/>
               </a:solidFill>
@@ -323,11 +431,12 @@
           </a:prstGeom>
         </p:spPr>
         <p:txBody>
-          <a:bodyPr lIns="0" rIns="0" tIns="0" bIns="0">
+          <a:bodyPr lIns="0" tIns="0" rIns="0" bIns="0">
             <a:normAutofit/>
           </a:bodyPr>
-          <a:p>
-            <a:endParaRPr b="0" lang="ko-KR" sz="2800" spc="-1" strike="noStrike">
+          <a:lstStyle/>
+          <a:p>
+            <a:endParaRPr lang="ko-KR" sz="2800" b="0" strike="noStrike" spc="-1">
               <a:solidFill>
                 <a:srgbClr val="000000"/>
               </a:solidFill>
@@ -338,11 +447,14 @@
       </p:sp>
     </p:spTree>
   </p:cSld>
+  <p:clrMapOvr>
+    <a:masterClrMapping/>
+  </p:clrMapOvr>
 </p:sldLayout>
 </file>
 
 <file path=ppt/slideLayouts/slideLayout12.xml><?xml version="1.0" encoding="utf-8"?>
-<p:sldLayout xmlns:a="http://schemas.openxmlformats.org/drawingml/2006/main" xmlns:p="http://schemas.openxmlformats.org/presentationml/2006/main" xmlns:r="http://schemas.openxmlformats.org/officeDocument/2006/relationships" xmlns:p14="http://schemas.microsoft.com/office/powerpoint/2010/main" xmlns:p15="http://schemas.microsoft.com/office/powerpoint/2012/main" xmlns:mc="http://schemas.openxmlformats.org/markup-compatibility/2006" type="blank" preserve="1">
+<p:sldLayout xmlns:a="http://schemas.openxmlformats.org/drawingml/2006/main" xmlns:r="http://schemas.openxmlformats.org/officeDocument/2006/relationships" xmlns:p="http://schemas.openxmlformats.org/presentationml/2006/main" type="blank" preserve="1">
   <p:cSld name="Title, 6 Content">
     <p:spTree>
       <p:nvGrpSpPr>
@@ -378,9 +490,10 @@
           </a:prstGeom>
         </p:spPr>
         <p:txBody>
-          <a:bodyPr lIns="0" rIns="0" tIns="0" bIns="0" anchor="ctr"/>
-          <a:p>
-            <a:endParaRPr b="0" lang="ko-KR" sz="1800" spc="-1" strike="noStrike">
+          <a:bodyPr lIns="0" tIns="0" rIns="0" bIns="0" anchor="ctr"/>
+          <a:lstStyle/>
+          <a:p>
+            <a:endParaRPr lang="ko-KR" sz="1800" b="0" strike="noStrike" spc="-1">
               <a:solidFill>
                 <a:srgbClr val="000000"/>
               </a:solidFill>
@@ -409,11 +522,12 @@
           </a:prstGeom>
         </p:spPr>
         <p:txBody>
-          <a:bodyPr lIns="0" rIns="0" tIns="0" bIns="0">
+          <a:bodyPr lIns="0" tIns="0" rIns="0" bIns="0">
             <a:normAutofit/>
           </a:bodyPr>
-          <a:p>
-            <a:endParaRPr b="0" lang="ko-KR" sz="2800" spc="-1" strike="noStrike">
+          <a:lstStyle/>
+          <a:p>
+            <a:endParaRPr lang="ko-KR" sz="2800" b="0" strike="noStrike" spc="-1">
               <a:solidFill>
                 <a:srgbClr val="000000"/>
               </a:solidFill>
@@ -442,11 +556,12 @@
           </a:prstGeom>
         </p:spPr>
         <p:txBody>
-          <a:bodyPr lIns="0" rIns="0" tIns="0" bIns="0">
+          <a:bodyPr lIns="0" tIns="0" rIns="0" bIns="0">
             <a:normAutofit/>
           </a:bodyPr>
-          <a:p>
-            <a:endParaRPr b="0" lang="ko-KR" sz="2800" spc="-1" strike="noStrike">
+          <a:lstStyle/>
+          <a:p>
+            <a:endParaRPr lang="ko-KR" sz="2800" b="0" strike="noStrike" spc="-1">
               <a:solidFill>
                 <a:srgbClr val="000000"/>
               </a:solidFill>
@@ -475,11 +590,12 @@
           </a:prstGeom>
         </p:spPr>
         <p:txBody>
-          <a:bodyPr lIns="0" rIns="0" tIns="0" bIns="0">
+          <a:bodyPr lIns="0" tIns="0" rIns="0" bIns="0">
             <a:normAutofit/>
           </a:bodyPr>
-          <a:p>
-            <a:endParaRPr b="0" lang="ko-KR" sz="2800" spc="-1" strike="noStrike">
+          <a:lstStyle/>
+          <a:p>
+            <a:endParaRPr lang="ko-KR" sz="2800" b="0" strike="noStrike" spc="-1">
               <a:solidFill>
                 <a:srgbClr val="000000"/>
               </a:solidFill>
@@ -508,11 +624,12 @@
           </a:prstGeom>
         </p:spPr>
         <p:txBody>
-          <a:bodyPr lIns="0" rIns="0" tIns="0" bIns="0">
+          <a:bodyPr lIns="0" tIns="0" rIns="0" bIns="0">
             <a:normAutofit/>
           </a:bodyPr>
-          <a:p>
-            <a:endParaRPr b="0" lang="ko-KR" sz="2800" spc="-1" strike="noStrike">
+          <a:lstStyle/>
+          <a:p>
+            <a:endParaRPr lang="ko-KR" sz="2800" b="0" strike="noStrike" spc="-1">
               <a:solidFill>
                 <a:srgbClr val="000000"/>
               </a:solidFill>
@@ -541,11 +658,12 @@
           </a:prstGeom>
         </p:spPr>
         <p:txBody>
-          <a:bodyPr lIns="0" rIns="0" tIns="0" bIns="0">
+          <a:bodyPr lIns="0" tIns="0" rIns="0" bIns="0">
             <a:normAutofit/>
           </a:bodyPr>
-          <a:p>
-            <a:endParaRPr b="0" lang="ko-KR" sz="2800" spc="-1" strike="noStrike">
+          <a:lstStyle/>
+          <a:p>
+            <a:endParaRPr lang="ko-KR" sz="2800" b="0" strike="noStrike" spc="-1">
               <a:solidFill>
                 <a:srgbClr val="000000"/>
               </a:solidFill>
@@ -574,11 +692,12 @@
           </a:prstGeom>
         </p:spPr>
         <p:txBody>
-          <a:bodyPr lIns="0" rIns="0" tIns="0" bIns="0">
+          <a:bodyPr lIns="0" tIns="0" rIns="0" bIns="0">
             <a:normAutofit/>
           </a:bodyPr>
-          <a:p>
-            <a:endParaRPr b="0" lang="ko-KR" sz="2800" spc="-1" strike="noStrike">
+          <a:lstStyle/>
+          <a:p>
+            <a:endParaRPr lang="ko-KR" sz="2800" b="0" strike="noStrike" spc="-1">
               <a:solidFill>
                 <a:srgbClr val="000000"/>
               </a:solidFill>
@@ -589,11 +708,14 @@
       </p:sp>
     </p:spTree>
   </p:cSld>
+  <p:clrMapOvr>
+    <a:masterClrMapping/>
+  </p:clrMapOvr>
 </p:sldLayout>
 </file>
 
 <file path=ppt/slideLayouts/slideLayout2.xml><?xml version="1.0" encoding="utf-8"?>
-<p:sldLayout xmlns:a="http://schemas.openxmlformats.org/drawingml/2006/main" xmlns:p="http://schemas.openxmlformats.org/presentationml/2006/main" xmlns:r="http://schemas.openxmlformats.org/officeDocument/2006/relationships" xmlns:p14="http://schemas.microsoft.com/office/powerpoint/2010/main" xmlns:p15="http://schemas.microsoft.com/office/powerpoint/2012/main" xmlns:mc="http://schemas.openxmlformats.org/markup-compatibility/2006" type="tx" preserve="1">
+<p:sldLayout xmlns:a="http://schemas.openxmlformats.org/drawingml/2006/main" xmlns:r="http://schemas.openxmlformats.org/officeDocument/2006/relationships" xmlns:p="http://schemas.openxmlformats.org/presentationml/2006/main" type="tx" preserve="1">
   <p:cSld name="Title Slide">
     <p:spTree>
       <p:nvGrpSpPr>
@@ -629,9 +751,10 @@
           </a:prstGeom>
         </p:spPr>
         <p:txBody>
-          <a:bodyPr lIns="0" rIns="0" tIns="0" bIns="0" anchor="ctr"/>
-          <a:p>
-            <a:endParaRPr b="0" lang="ko-KR" sz="1800" spc="-1" strike="noStrike">
+          <a:bodyPr lIns="0" tIns="0" rIns="0" bIns="0" anchor="ctr"/>
+          <a:lstStyle/>
+          <a:p>
+            <a:endParaRPr lang="ko-KR" sz="1800" b="0" strike="noStrike" spc="-1">
               <a:solidFill>
                 <a:srgbClr val="000000"/>
               </a:solidFill>
@@ -660,10 +783,11 @@
           </a:prstGeom>
         </p:spPr>
         <p:txBody>
-          <a:bodyPr lIns="0" rIns="0" tIns="0" bIns="0" anchor="ctr"/>
+          <a:bodyPr lIns="0" tIns="0" rIns="0" bIns="0" anchor="ctr"/>
+          <a:lstStyle/>
           <a:p>
             <a:pPr algn="ctr"/>
-            <a:endParaRPr b="0" lang="en-US" sz="3200" spc="-1" strike="noStrike">
+            <a:endParaRPr lang="en-US" sz="3200" b="0" strike="noStrike" spc="-1">
               <a:latin typeface="굴림"/>
             </a:endParaRPr>
           </a:p>
@@ -671,11 +795,14 @@
       </p:sp>
     </p:spTree>
   </p:cSld>
+  <p:clrMapOvr>
+    <a:masterClrMapping/>
+  </p:clrMapOvr>
 </p:sldLayout>
 </file>
 
 <file path=ppt/slideLayouts/slideLayout3.xml><?xml version="1.0" encoding="utf-8"?>
-<p:sldLayout xmlns:a="http://schemas.openxmlformats.org/drawingml/2006/main" xmlns:p="http://schemas.openxmlformats.org/presentationml/2006/main" xmlns:r="http://schemas.openxmlformats.org/officeDocument/2006/relationships" xmlns:p14="http://schemas.microsoft.com/office/powerpoint/2010/main" xmlns:p15="http://schemas.microsoft.com/office/powerpoint/2012/main" xmlns:mc="http://schemas.openxmlformats.org/markup-compatibility/2006" type="obj" preserve="1">
+<p:sldLayout xmlns:a="http://schemas.openxmlformats.org/drawingml/2006/main" xmlns:r="http://schemas.openxmlformats.org/officeDocument/2006/relationships" xmlns:p="http://schemas.openxmlformats.org/presentationml/2006/main" type="obj" preserve="1">
   <p:cSld name="Title, Content">
     <p:spTree>
       <p:nvGrpSpPr>
@@ -711,9 +838,10 @@
           </a:prstGeom>
         </p:spPr>
         <p:txBody>
-          <a:bodyPr lIns="0" rIns="0" tIns="0" bIns="0" anchor="ctr"/>
-          <a:p>
-            <a:endParaRPr b="0" lang="ko-KR" sz="1800" spc="-1" strike="noStrike">
+          <a:bodyPr lIns="0" tIns="0" rIns="0" bIns="0" anchor="ctr"/>
+          <a:lstStyle/>
+          <a:p>
+            <a:endParaRPr lang="ko-KR" sz="1800" b="0" strike="noStrike" spc="-1">
               <a:solidFill>
                 <a:srgbClr val="000000"/>
               </a:solidFill>
@@ -742,11 +870,12 @@
           </a:prstGeom>
         </p:spPr>
         <p:txBody>
-          <a:bodyPr lIns="0" rIns="0" tIns="0" bIns="0">
+          <a:bodyPr lIns="0" tIns="0" rIns="0" bIns="0">
             <a:normAutofit/>
           </a:bodyPr>
-          <a:p>
-            <a:endParaRPr b="0" lang="ko-KR" sz="2800" spc="-1" strike="noStrike">
+          <a:lstStyle/>
+          <a:p>
+            <a:endParaRPr lang="ko-KR" sz="2800" b="0" strike="noStrike" spc="-1">
               <a:solidFill>
                 <a:srgbClr val="000000"/>
               </a:solidFill>
@@ -757,11 +886,14 @@
       </p:sp>
     </p:spTree>
   </p:cSld>
+  <p:clrMapOvr>
+    <a:masterClrMapping/>
+  </p:clrMapOvr>
 </p:sldLayout>
 </file>
 
 <file path=ppt/slideLayouts/slideLayout4.xml><?xml version="1.0" encoding="utf-8"?>
-<p:sldLayout xmlns:a="http://schemas.openxmlformats.org/drawingml/2006/main" xmlns:p="http://schemas.openxmlformats.org/presentationml/2006/main" xmlns:r="http://schemas.openxmlformats.org/officeDocument/2006/relationships" xmlns:p14="http://schemas.microsoft.com/office/powerpoint/2010/main" xmlns:p15="http://schemas.microsoft.com/office/powerpoint/2012/main" xmlns:mc="http://schemas.openxmlformats.org/markup-compatibility/2006" type="twoObj" preserve="1">
+<p:sldLayout xmlns:a="http://schemas.openxmlformats.org/drawingml/2006/main" xmlns:r="http://schemas.openxmlformats.org/officeDocument/2006/relationships" xmlns:p="http://schemas.openxmlformats.org/presentationml/2006/main" type="twoObj" preserve="1">
   <p:cSld name="Title, 2 Content">
     <p:spTree>
       <p:nvGrpSpPr>
@@ -797,9 +929,10 @@
           </a:prstGeom>
         </p:spPr>
         <p:txBody>
-          <a:bodyPr lIns="0" rIns="0" tIns="0" bIns="0" anchor="ctr"/>
-          <a:p>
-            <a:endParaRPr b="0" lang="ko-KR" sz="1800" spc="-1" strike="noStrike">
+          <a:bodyPr lIns="0" tIns="0" rIns="0" bIns="0" anchor="ctr"/>
+          <a:lstStyle/>
+          <a:p>
+            <a:endParaRPr lang="ko-KR" sz="1800" b="0" strike="noStrike" spc="-1">
               <a:solidFill>
                 <a:srgbClr val="000000"/>
               </a:solidFill>
@@ -828,11 +961,12 @@
           </a:prstGeom>
         </p:spPr>
         <p:txBody>
-          <a:bodyPr lIns="0" rIns="0" tIns="0" bIns="0">
+          <a:bodyPr lIns="0" tIns="0" rIns="0" bIns="0">
             <a:normAutofit/>
           </a:bodyPr>
-          <a:p>
-            <a:endParaRPr b="0" lang="ko-KR" sz="2800" spc="-1" strike="noStrike">
+          <a:lstStyle/>
+          <a:p>
+            <a:endParaRPr lang="ko-KR" sz="2800" b="0" strike="noStrike" spc="-1">
               <a:solidFill>
                 <a:srgbClr val="000000"/>
               </a:solidFill>
@@ -861,11 +995,12 @@
           </a:prstGeom>
         </p:spPr>
         <p:txBody>
-          <a:bodyPr lIns="0" rIns="0" tIns="0" bIns="0">
+          <a:bodyPr lIns="0" tIns="0" rIns="0" bIns="0">
             <a:normAutofit/>
           </a:bodyPr>
-          <a:p>
-            <a:endParaRPr b="0" lang="ko-KR" sz="2800" spc="-1" strike="noStrike">
+          <a:lstStyle/>
+          <a:p>
+            <a:endParaRPr lang="ko-KR" sz="2800" b="0" strike="noStrike" spc="-1">
               <a:solidFill>
                 <a:srgbClr val="000000"/>
               </a:solidFill>
@@ -876,11 +1011,14 @@
       </p:sp>
     </p:spTree>
   </p:cSld>
+  <p:clrMapOvr>
+    <a:masterClrMapping/>
+  </p:clrMapOvr>
 </p:sldLayout>
 </file>
 
 <file path=ppt/slideLayouts/slideLayout5.xml><?xml version="1.0" encoding="utf-8"?>
-<p:sldLayout xmlns:a="http://schemas.openxmlformats.org/drawingml/2006/main" xmlns:p="http://schemas.openxmlformats.org/presentationml/2006/main" xmlns:r="http://schemas.openxmlformats.org/officeDocument/2006/relationships" xmlns:p14="http://schemas.microsoft.com/office/powerpoint/2010/main" xmlns:p15="http://schemas.microsoft.com/office/powerpoint/2012/main" xmlns:mc="http://schemas.openxmlformats.org/markup-compatibility/2006" type="titleOnly" preserve="1">
+<p:sldLayout xmlns:a="http://schemas.openxmlformats.org/drawingml/2006/main" xmlns:r="http://schemas.openxmlformats.org/officeDocument/2006/relationships" xmlns:p="http://schemas.openxmlformats.org/presentationml/2006/main" type="titleOnly" preserve="1">
   <p:cSld name="Title Only">
     <p:spTree>
       <p:nvGrpSpPr>
@@ -916,9 +1054,10 @@
           </a:prstGeom>
         </p:spPr>
         <p:txBody>
-          <a:bodyPr lIns="0" rIns="0" tIns="0" bIns="0" anchor="ctr"/>
-          <a:p>
-            <a:endParaRPr b="0" lang="ko-KR" sz="1800" spc="-1" strike="noStrike">
+          <a:bodyPr lIns="0" tIns="0" rIns="0" bIns="0" anchor="ctr"/>
+          <a:lstStyle/>
+          <a:p>
+            <a:endParaRPr lang="ko-KR" sz="1800" b="0" strike="noStrike" spc="-1">
               <a:solidFill>
                 <a:srgbClr val="000000"/>
               </a:solidFill>
@@ -929,11 +1068,14 @@
       </p:sp>
     </p:spTree>
   </p:cSld>
+  <p:clrMapOvr>
+    <a:masterClrMapping/>
+  </p:clrMapOvr>
 </p:sldLayout>
 </file>
 
 <file path=ppt/slideLayouts/slideLayout6.xml><?xml version="1.0" encoding="utf-8"?>
-<p:sldLayout xmlns:a="http://schemas.openxmlformats.org/drawingml/2006/main" xmlns:p="http://schemas.openxmlformats.org/presentationml/2006/main" xmlns:r="http://schemas.openxmlformats.org/officeDocument/2006/relationships" xmlns:p14="http://schemas.microsoft.com/office/powerpoint/2010/main" xmlns:p15="http://schemas.microsoft.com/office/powerpoint/2012/main" xmlns:mc="http://schemas.openxmlformats.org/markup-compatibility/2006" type="objOnly" preserve="1">
+<p:sldLayout xmlns:a="http://schemas.openxmlformats.org/drawingml/2006/main" xmlns:r="http://schemas.openxmlformats.org/officeDocument/2006/relationships" xmlns:p="http://schemas.openxmlformats.org/presentationml/2006/main" type="objOnly" preserve="1">
   <p:cSld name="Centered Text">
     <p:spTree>
       <p:nvGrpSpPr>
@@ -969,10 +1111,11 @@
           </a:prstGeom>
         </p:spPr>
         <p:txBody>
-          <a:bodyPr lIns="0" rIns="0" tIns="0" bIns="0" anchor="ctr"/>
+          <a:bodyPr lIns="0" tIns="0" rIns="0" bIns="0" anchor="ctr"/>
+          <a:lstStyle/>
           <a:p>
             <a:pPr algn="ctr"/>
-            <a:endParaRPr b="0" lang="en-US" sz="3200" spc="-1" strike="noStrike">
+            <a:endParaRPr lang="en-US" sz="3200" b="0" strike="noStrike" spc="-1">
               <a:latin typeface="굴림"/>
             </a:endParaRPr>
           </a:p>
@@ -980,11 +1123,14 @@
       </p:sp>
     </p:spTree>
   </p:cSld>
+  <p:clrMapOvr>
+    <a:masterClrMapping/>
+  </p:clrMapOvr>
 </p:sldLayout>
 </file>
 
 <file path=ppt/slideLayouts/slideLayout7.xml><?xml version="1.0" encoding="utf-8"?>
-<p:sldLayout xmlns:a="http://schemas.openxmlformats.org/drawingml/2006/main" xmlns:p="http://schemas.openxmlformats.org/presentationml/2006/main" xmlns:r="http://schemas.openxmlformats.org/officeDocument/2006/relationships" xmlns:p14="http://schemas.microsoft.com/office/powerpoint/2010/main" xmlns:p15="http://schemas.microsoft.com/office/powerpoint/2012/main" xmlns:mc="http://schemas.openxmlformats.org/markup-compatibility/2006" type="twoObjAndObj" preserve="1">
+<p:sldLayout xmlns:a="http://schemas.openxmlformats.org/drawingml/2006/main" xmlns:r="http://schemas.openxmlformats.org/officeDocument/2006/relationships" xmlns:p="http://schemas.openxmlformats.org/presentationml/2006/main" type="twoObjAndObj" preserve="1">
   <p:cSld name="Title, 2 Content and Content">
     <p:spTree>
       <p:nvGrpSpPr>
@@ -1020,9 +1166,10 @@
           </a:prstGeom>
         </p:spPr>
         <p:txBody>
-          <a:bodyPr lIns="0" rIns="0" tIns="0" bIns="0" anchor="ctr"/>
-          <a:p>
-            <a:endParaRPr b="0" lang="ko-KR" sz="1800" spc="-1" strike="noStrike">
+          <a:bodyPr lIns="0" tIns="0" rIns="0" bIns="0" anchor="ctr"/>
+          <a:lstStyle/>
+          <a:p>
+            <a:endParaRPr lang="ko-KR" sz="1800" b="0" strike="noStrike" spc="-1">
               <a:solidFill>
                 <a:srgbClr val="000000"/>
               </a:solidFill>
@@ -1051,11 +1198,12 @@
           </a:prstGeom>
         </p:spPr>
         <p:txBody>
-          <a:bodyPr lIns="0" rIns="0" tIns="0" bIns="0">
+          <a:bodyPr lIns="0" tIns="0" rIns="0" bIns="0">
             <a:normAutofit/>
           </a:bodyPr>
-          <a:p>
-            <a:endParaRPr b="0" lang="ko-KR" sz="2800" spc="-1" strike="noStrike">
+          <a:lstStyle/>
+          <a:p>
+            <a:endParaRPr lang="ko-KR" sz="2800" b="0" strike="noStrike" spc="-1">
               <a:solidFill>
                 <a:srgbClr val="000000"/>
               </a:solidFill>
@@ -1084,11 +1232,12 @@
           </a:prstGeom>
         </p:spPr>
         <p:txBody>
-          <a:bodyPr lIns="0" rIns="0" tIns="0" bIns="0">
+          <a:bodyPr lIns="0" tIns="0" rIns="0" bIns="0">
             <a:normAutofit/>
           </a:bodyPr>
-          <a:p>
-            <a:endParaRPr b="0" lang="ko-KR" sz="2800" spc="-1" strike="noStrike">
+          <a:lstStyle/>
+          <a:p>
+            <a:endParaRPr lang="ko-KR" sz="2800" b="0" strike="noStrike" spc="-1">
               <a:solidFill>
                 <a:srgbClr val="000000"/>
               </a:solidFill>
@@ -1117,11 +1266,12 @@
           </a:prstGeom>
         </p:spPr>
         <p:txBody>
-          <a:bodyPr lIns="0" rIns="0" tIns="0" bIns="0">
+          <a:bodyPr lIns="0" tIns="0" rIns="0" bIns="0">
             <a:normAutofit/>
           </a:bodyPr>
-          <a:p>
-            <a:endParaRPr b="0" lang="ko-KR" sz="2800" spc="-1" strike="noStrike">
+          <a:lstStyle/>
+          <a:p>
+            <a:endParaRPr lang="ko-KR" sz="2800" b="0" strike="noStrike" spc="-1">
               <a:solidFill>
                 <a:srgbClr val="000000"/>
               </a:solidFill>
@@ -1132,11 +1282,14 @@
       </p:sp>
     </p:spTree>
   </p:cSld>
+  <p:clrMapOvr>
+    <a:masterClrMapping/>
+  </p:clrMapOvr>
 </p:sldLayout>
 </file>
 
 <file path=ppt/slideLayouts/slideLayout8.xml><?xml version="1.0" encoding="utf-8"?>
-<p:sldLayout xmlns:a="http://schemas.openxmlformats.org/drawingml/2006/main" xmlns:p="http://schemas.openxmlformats.org/presentationml/2006/main" xmlns:r="http://schemas.openxmlformats.org/officeDocument/2006/relationships" xmlns:p14="http://schemas.microsoft.com/office/powerpoint/2010/main" xmlns:p15="http://schemas.microsoft.com/office/powerpoint/2012/main" xmlns:mc="http://schemas.openxmlformats.org/markup-compatibility/2006" type="objAndTwoObj" preserve="1">
+<p:sldLayout xmlns:a="http://schemas.openxmlformats.org/drawingml/2006/main" xmlns:r="http://schemas.openxmlformats.org/officeDocument/2006/relationships" xmlns:p="http://schemas.openxmlformats.org/presentationml/2006/main" type="objAndTwoObj" preserve="1">
   <p:cSld name="Title Content and 2 Content">
     <p:spTree>
       <p:nvGrpSpPr>
@@ -1172,9 +1325,10 @@
           </a:prstGeom>
         </p:spPr>
         <p:txBody>
-          <a:bodyPr lIns="0" rIns="0" tIns="0" bIns="0" anchor="ctr"/>
-          <a:p>
-            <a:endParaRPr b="0" lang="ko-KR" sz="1800" spc="-1" strike="noStrike">
+          <a:bodyPr lIns="0" tIns="0" rIns="0" bIns="0" anchor="ctr"/>
+          <a:lstStyle/>
+          <a:p>
+            <a:endParaRPr lang="ko-KR" sz="1800" b="0" strike="noStrike" spc="-1">
               <a:solidFill>
                 <a:srgbClr val="000000"/>
               </a:solidFill>
@@ -1203,11 +1357,12 @@
           </a:prstGeom>
         </p:spPr>
         <p:txBody>
-          <a:bodyPr lIns="0" rIns="0" tIns="0" bIns="0">
+          <a:bodyPr lIns="0" tIns="0" rIns="0" bIns="0">
             <a:normAutofit/>
           </a:bodyPr>
-          <a:p>
-            <a:endParaRPr b="0" lang="ko-KR" sz="2800" spc="-1" strike="noStrike">
+          <a:lstStyle/>
+          <a:p>
+            <a:endParaRPr lang="ko-KR" sz="2800" b="0" strike="noStrike" spc="-1">
               <a:solidFill>
                 <a:srgbClr val="000000"/>
               </a:solidFill>
@@ -1236,11 +1391,12 @@
           </a:prstGeom>
         </p:spPr>
         <p:txBody>
-          <a:bodyPr lIns="0" rIns="0" tIns="0" bIns="0">
+          <a:bodyPr lIns="0" tIns="0" rIns="0" bIns="0">
             <a:normAutofit/>
           </a:bodyPr>
-          <a:p>
-            <a:endParaRPr b="0" lang="ko-KR" sz="2800" spc="-1" strike="noStrike">
+          <a:lstStyle/>
+          <a:p>
+            <a:endParaRPr lang="ko-KR" sz="2800" b="0" strike="noStrike" spc="-1">
               <a:solidFill>
                 <a:srgbClr val="000000"/>
               </a:solidFill>
@@ -1269,11 +1425,12 @@
           </a:prstGeom>
         </p:spPr>
         <p:txBody>
-          <a:bodyPr lIns="0" rIns="0" tIns="0" bIns="0">
+          <a:bodyPr lIns="0" tIns="0" rIns="0" bIns="0">
             <a:normAutofit/>
           </a:bodyPr>
-          <a:p>
-            <a:endParaRPr b="0" lang="ko-KR" sz="2800" spc="-1" strike="noStrike">
+          <a:lstStyle/>
+          <a:p>
+            <a:endParaRPr lang="ko-KR" sz="2800" b="0" strike="noStrike" spc="-1">
               <a:solidFill>
                 <a:srgbClr val="000000"/>
               </a:solidFill>
@@ -1284,11 +1441,14 @@
       </p:sp>
     </p:spTree>
   </p:cSld>
+  <p:clrMapOvr>
+    <a:masterClrMapping/>
+  </p:clrMapOvr>
 </p:sldLayout>
 </file>
 
 <file path=ppt/slideLayouts/slideLayout9.xml><?xml version="1.0" encoding="utf-8"?>
-<p:sldLayout xmlns:a="http://schemas.openxmlformats.org/drawingml/2006/main" xmlns:p="http://schemas.openxmlformats.org/presentationml/2006/main" xmlns:r="http://schemas.openxmlformats.org/officeDocument/2006/relationships" xmlns:p14="http://schemas.microsoft.com/office/powerpoint/2010/main" xmlns:p15="http://schemas.microsoft.com/office/powerpoint/2012/main" xmlns:mc="http://schemas.openxmlformats.org/markup-compatibility/2006" type="twoObjOverTx" preserve="1">
+<p:sldLayout xmlns:a="http://schemas.openxmlformats.org/drawingml/2006/main" xmlns:r="http://schemas.openxmlformats.org/officeDocument/2006/relationships" xmlns:p="http://schemas.openxmlformats.org/presentationml/2006/main" type="twoObjOverTx" preserve="1">
   <p:cSld name="Title, 2 Content over Content">
     <p:spTree>
       <p:nvGrpSpPr>
@@ -1324,9 +1484,10 @@
           </a:prstGeom>
         </p:spPr>
         <p:txBody>
-          <a:bodyPr lIns="0" rIns="0" tIns="0" bIns="0" anchor="ctr"/>
-          <a:p>
-            <a:endParaRPr b="0" lang="ko-KR" sz="1800" spc="-1" strike="noStrike">
+          <a:bodyPr lIns="0" tIns="0" rIns="0" bIns="0" anchor="ctr"/>
+          <a:lstStyle/>
+          <a:p>
+            <a:endParaRPr lang="ko-KR" sz="1800" b="0" strike="noStrike" spc="-1">
               <a:solidFill>
                 <a:srgbClr val="000000"/>
               </a:solidFill>
@@ -1355,11 +1516,12 @@
           </a:prstGeom>
         </p:spPr>
         <p:txBody>
-          <a:bodyPr lIns="0" rIns="0" tIns="0" bIns="0">
+          <a:bodyPr lIns="0" tIns="0" rIns="0" bIns="0">
             <a:normAutofit/>
           </a:bodyPr>
-          <a:p>
-            <a:endParaRPr b="0" lang="ko-KR" sz="2800" spc="-1" strike="noStrike">
+          <a:lstStyle/>
+          <a:p>
+            <a:endParaRPr lang="ko-KR" sz="2800" b="0" strike="noStrike" spc="-1">
               <a:solidFill>
                 <a:srgbClr val="000000"/>
               </a:solidFill>
@@ -1388,11 +1550,12 @@
           </a:prstGeom>
         </p:spPr>
         <p:txBody>
-          <a:bodyPr lIns="0" rIns="0" tIns="0" bIns="0">
+          <a:bodyPr lIns="0" tIns="0" rIns="0" bIns="0">
             <a:normAutofit/>
           </a:bodyPr>
-          <a:p>
-            <a:endParaRPr b="0" lang="ko-KR" sz="2800" spc="-1" strike="noStrike">
+          <a:lstStyle/>
+          <a:p>
+            <a:endParaRPr lang="ko-KR" sz="2800" b="0" strike="noStrike" spc="-1">
               <a:solidFill>
                 <a:srgbClr val="000000"/>
               </a:solidFill>
@@ -1421,11 +1584,12 @@
           </a:prstGeom>
         </p:spPr>
         <p:txBody>
-          <a:bodyPr lIns="0" rIns="0" tIns="0" bIns="0">
+          <a:bodyPr lIns="0" tIns="0" rIns="0" bIns="0">
             <a:normAutofit/>
           </a:bodyPr>
-          <a:p>
-            <a:endParaRPr b="0" lang="ko-KR" sz="2800" spc="-1" strike="noStrike">
+          <a:lstStyle/>
+          <a:p>
+            <a:endParaRPr lang="ko-KR" sz="2800" b="0" strike="noStrike" spc="-1">
               <a:solidFill>
                 <a:srgbClr val="000000"/>
               </a:solidFill>
@@ -1436,20 +1600,27 @@
       </p:sp>
     </p:spTree>
   </p:cSld>
+  <p:clrMapOvr>
+    <a:masterClrMapping/>
+  </p:clrMapOvr>
 </p:sldLayout>
 </file>
 
 <file path=ppt/slideMasters/slideMaster1.xml><?xml version="1.0" encoding="utf-8"?>
-<p:sldMaster xmlns:a="http://schemas.openxmlformats.org/drawingml/2006/main" xmlns:p="http://schemas.openxmlformats.org/presentationml/2006/main" xmlns:r="http://schemas.openxmlformats.org/officeDocument/2006/relationships" xmlns:p14="http://schemas.microsoft.com/office/powerpoint/2010/main" xmlns:p15="http://schemas.microsoft.com/office/powerpoint/2012/main" xmlns:mc="http://schemas.openxmlformats.org/markup-compatibility/2006">
+<p:sldMaster xmlns:a="http://schemas.openxmlformats.org/drawingml/2006/main" xmlns:r="http://schemas.openxmlformats.org/officeDocument/2006/relationships" xmlns:p="http://schemas.openxmlformats.org/presentationml/2006/main">
   <p:cSld>
     <p:bg>
       <p:bgPr>
-        <a:blipFill rotWithShape="0">
-          <a:blip r:embed="rId2"/>
+        <a:blipFill dpi="0" rotWithShape="0">
+          <a:blip r:embed="rId14">
+            <a:lum/>
+          </a:blip>
+          <a:srcRect/>
           <a:stretch>
             <a:fillRect/>
           </a:stretch>
         </a:blipFill>
+        <a:effectLst/>
       </p:bgPr>
     </p:bg>
     <p:spTree>
@@ -1468,7 +1639,7 @@
       </p:grpSpPr>
       <p:sp>
         <p:nvSpPr>
-          <p:cNvPr id="0" name="PlaceHolder 1"/>
+          <p:cNvPr id="5" name="PlaceHolder 1"/>
           <p:cNvSpPr>
             <a:spLocks noGrp="1"/>
           </p:cNvSpPr>
@@ -1487,6 +1658,7 @@
         </p:spPr>
         <p:txBody>
           <a:bodyPr anchor="b"/>
+          <a:lstStyle/>
           <a:p>
             <a:pPr algn="ctr">
               <a:lnSpc>
@@ -1494,7 +1666,7 @@
               </a:lnSpc>
             </a:pPr>
             <a:r>
-              <a:rPr b="0" lang="ko-KR" sz="6000" spc="-1" strike="noStrike">
+              <a:rPr lang="ko-KR" sz="6000" b="0" strike="noStrike" spc="-1">
                 <a:solidFill>
                   <a:srgbClr val="000000"/>
                 </a:solidFill>
@@ -1502,18 +1674,12 @@
               </a:rPr>
               <a:t>마스터 제목 스타일 편집</a:t>
             </a:r>
-            <a:endParaRPr b="0" lang="ko-KR" sz="6000" spc="-1" strike="noStrike">
-              <a:solidFill>
-                <a:srgbClr val="000000"/>
-              </a:solidFill>
-              <a:latin typeface="맑은 고딕"/>
-            </a:endParaRPr>
-          </a:p>
-        </p:txBody>
-      </p:sp>
-      <p:sp>
-        <p:nvSpPr>
-          <p:cNvPr id="1" name="PlaceHolder 2"/>
+          </a:p>
+        </p:txBody>
+      </p:sp>
+      <p:sp>
+        <p:nvSpPr>
+          <p:cNvPr id="6" name="PlaceHolder 2"/>
           <p:cNvSpPr>
             <a:spLocks noGrp="1"/>
           </p:cNvSpPr>
@@ -1532,6 +1698,7 @@
         </p:spPr>
         <p:txBody>
           <a:bodyPr anchor="ctr"/>
+          <a:lstStyle/>
           <a:p>
             <a:pPr>
               <a:lnSpc>
@@ -1539,15 +1706,15 @@
               </a:lnSpc>
             </a:pPr>
             <a:fld id="{63A96532-A601-48FF-9C4B-0AB5E6689615}" type="datetime">
-              <a:rPr b="0" lang="en-US" sz="1200" spc="-1" strike="noStrike">
+              <a:rPr lang="en-US" sz="1200" b="0" strike="noStrike" spc="-1">
                 <a:solidFill>
-                  <a:srgbClr val="8b8b8b"/>
+                  <a:srgbClr val="8B8B8B"/>
                 </a:solidFill>
                 <a:latin typeface="맑은 고딕"/>
               </a:rPr>
-              <a:t>4/21/19</a:t>
+              <a:t>4/21/2019</a:t>
             </a:fld>
-            <a:endParaRPr b="0" lang="en-US" sz="1200" spc="-1" strike="noStrike">
+            <a:endParaRPr lang="en-US" sz="1200" b="0" strike="noStrike" spc="-1">
               <a:latin typeface="바탕"/>
             </a:endParaRPr>
           </a:p>
@@ -1574,8 +1741,9 @@
         </p:spPr>
         <p:txBody>
           <a:bodyPr anchor="ctr"/>
-          <a:p>
-            <a:endParaRPr b="0" lang="en-US" sz="2400" spc="-1" strike="noStrike">
+          <a:lstStyle/>
+          <a:p>
+            <a:endParaRPr lang="en-US" sz="2400" b="0" strike="noStrike" spc="-1">
               <a:latin typeface="바탕"/>
             </a:endParaRPr>
           </a:p>
@@ -1602,6 +1770,7 @@
         </p:spPr>
         <p:txBody>
           <a:bodyPr anchor="ctr"/>
+          <a:lstStyle/>
           <a:p>
             <a:pPr algn="r">
               <a:lnSpc>
@@ -1609,15 +1778,15 @@
               </a:lnSpc>
             </a:pPr>
             <a:fld id="{CDC6C0F7-9F7F-4171-B732-E6112C59B94F}" type="slidenum">
-              <a:rPr b="0" lang="en-US" sz="1200" spc="-1" strike="noStrike">
+              <a:rPr lang="en-US" sz="1200" b="0" strike="noStrike" spc="-1">
                 <a:solidFill>
-                  <a:srgbClr val="8b8b8b"/>
+                  <a:srgbClr val="8B8B8B"/>
                 </a:solidFill>
                 <a:latin typeface="맑은 고딕"/>
               </a:rPr>
-              <a:t>&lt;숫자&gt;</a:t>
+              <a:t>‹#›</a:t>
             </a:fld>
-            <a:endParaRPr b="0" lang="en-US" sz="1200" spc="-1" strike="noStrike">
+            <a:endParaRPr lang="en-US" sz="1200" b="0" strike="noStrike" spc="-1">
               <a:latin typeface="바탕"/>
             </a:endParaRPr>
           </a:p>
@@ -1643,9 +1812,10 @@
           </a:prstGeom>
         </p:spPr>
         <p:txBody>
-          <a:bodyPr lIns="0" rIns="0" tIns="0" bIns="0">
+          <a:bodyPr lIns="0" tIns="0" rIns="0" bIns="0">
             <a:normAutofit/>
           </a:bodyPr>
+          <a:lstStyle/>
           <a:p>
             <a:pPr marL="432000" indent="-324000">
               <a:spcBef>
@@ -1659,7 +1829,7 @@
               <a:buChar char=""/>
             </a:pPr>
             <a:r>
-              <a:rPr b="0" lang="ko-KR" sz="2800" spc="-1" strike="noStrike">
+              <a:rPr lang="ko-KR" sz="2800" b="0" strike="noStrike" spc="-1">
                 <a:solidFill>
                   <a:srgbClr val="000000"/>
                 </a:solidFill>
@@ -1667,15 +1837,9 @@
               </a:rPr>
               <a:t>개요 텍스트의 서식을 편집하려면 클릭하십시오</a:t>
             </a:r>
-            <a:endParaRPr b="0" lang="ko-KR" sz="2800" spc="-1" strike="noStrike">
-              <a:solidFill>
-                <a:srgbClr val="000000"/>
-              </a:solidFill>
-              <a:latin typeface="맑은 고딕"/>
-            </a:endParaRPr>
-          </a:p>
-          <a:p>
-            <a:pPr lvl="1" marL="864000" indent="-324000">
+          </a:p>
+          <a:p>
+            <a:pPr marL="864000" lvl="1" indent="-324000">
               <a:spcBef>
                 <a:spcPts val="1134"/>
               </a:spcBef>
@@ -1687,32 +1851,17 @@
               <a:buChar char=""/>
             </a:pPr>
             <a:r>
-              <a:rPr b="0" lang="ko-KR" sz="2000" spc="-1" strike="noStrike">
+              <a:rPr lang="ko-KR" sz="2000" b="0" strike="noStrike" spc="-1">
                 <a:solidFill>
                   <a:srgbClr val="000000"/>
                 </a:solidFill>
                 <a:latin typeface="맑은 고딕"/>
               </a:rPr>
-              <a:t>2</a:t>
+              <a:t>2번째 개요 수준</a:t>
             </a:r>
-            <a:r>
-              <a:rPr b="0" lang="ko-KR" sz="2000" spc="-1" strike="noStrike">
-                <a:solidFill>
-                  <a:srgbClr val="000000"/>
-                </a:solidFill>
-                <a:latin typeface="맑은 고딕"/>
-              </a:rPr>
-              <a:t>번째 개요 수준</a:t>
-            </a:r>
-            <a:endParaRPr b="0" lang="ko-KR" sz="2000" spc="-1" strike="noStrike">
-              <a:solidFill>
-                <a:srgbClr val="000000"/>
-              </a:solidFill>
-              <a:latin typeface="맑은 고딕"/>
-            </a:endParaRPr>
-          </a:p>
-          <a:p>
-            <a:pPr lvl="2" marL="1296000" indent="-288000">
+          </a:p>
+          <a:p>
+            <a:pPr marL="1296000" lvl="2" indent="-288000">
               <a:spcBef>
                 <a:spcPts val="850"/>
               </a:spcBef>
@@ -1724,32 +1873,17 @@
               <a:buChar char=""/>
             </a:pPr>
             <a:r>
-              <a:rPr b="0" lang="ko-KR" sz="1800" spc="-1" strike="noStrike">
+              <a:rPr lang="ko-KR" sz="1800" b="0" strike="noStrike" spc="-1">
                 <a:solidFill>
                   <a:srgbClr val="000000"/>
                 </a:solidFill>
                 <a:latin typeface="맑은 고딕"/>
               </a:rPr>
-              <a:t>3</a:t>
+              <a:t>3번째 개요 수준</a:t>
             </a:r>
-            <a:r>
-              <a:rPr b="0" lang="ko-KR" sz="1800" spc="-1" strike="noStrike">
-                <a:solidFill>
-                  <a:srgbClr val="000000"/>
-                </a:solidFill>
-                <a:latin typeface="맑은 고딕"/>
-              </a:rPr>
-              <a:t>번째 개요 수준</a:t>
-            </a:r>
-            <a:endParaRPr b="0" lang="ko-KR" sz="1800" spc="-1" strike="noStrike">
-              <a:solidFill>
-                <a:srgbClr val="000000"/>
-              </a:solidFill>
-              <a:latin typeface="맑은 고딕"/>
-            </a:endParaRPr>
-          </a:p>
-          <a:p>
-            <a:pPr lvl="3" marL="1728000" indent="-216000">
+          </a:p>
+          <a:p>
+            <a:pPr marL="1728000" lvl="3" indent="-216000">
               <a:spcBef>
                 <a:spcPts val="567"/>
               </a:spcBef>
@@ -1761,32 +1895,17 @@
               <a:buChar char=""/>
             </a:pPr>
             <a:r>
-              <a:rPr b="0" lang="ko-KR" sz="1800" spc="-1" strike="noStrike">
+              <a:rPr lang="ko-KR" sz="1800" b="0" strike="noStrike" spc="-1">
                 <a:solidFill>
                   <a:srgbClr val="000000"/>
                 </a:solidFill>
                 <a:latin typeface="맑은 고딕"/>
               </a:rPr>
-              <a:t>4</a:t>
+              <a:t>4번째 개요 수준</a:t>
             </a:r>
-            <a:r>
-              <a:rPr b="0" lang="ko-KR" sz="1800" spc="-1" strike="noStrike">
-                <a:solidFill>
-                  <a:srgbClr val="000000"/>
-                </a:solidFill>
-                <a:latin typeface="맑은 고딕"/>
-              </a:rPr>
-              <a:t>번째 개요 수준</a:t>
-            </a:r>
-            <a:endParaRPr b="0" lang="ko-KR" sz="1800" spc="-1" strike="noStrike">
-              <a:solidFill>
-                <a:srgbClr val="000000"/>
-              </a:solidFill>
-              <a:latin typeface="맑은 고딕"/>
-            </a:endParaRPr>
-          </a:p>
-          <a:p>
-            <a:pPr lvl="4" marL="2160000" indent="-216000">
+          </a:p>
+          <a:p>
+            <a:pPr marL="2160000" lvl="4" indent="-216000">
               <a:spcBef>
                 <a:spcPts val="283"/>
               </a:spcBef>
@@ -1798,32 +1917,17 @@
               <a:buChar char=""/>
             </a:pPr>
             <a:r>
-              <a:rPr b="0" lang="ko-KR" sz="2000" spc="-1" strike="noStrike">
+              <a:rPr lang="ko-KR" sz="2000" b="0" strike="noStrike" spc="-1">
                 <a:solidFill>
                   <a:srgbClr val="000000"/>
                 </a:solidFill>
                 <a:latin typeface="맑은 고딕"/>
               </a:rPr>
-              <a:t>5</a:t>
+              <a:t>5번째 개요 수준</a:t>
             </a:r>
-            <a:r>
-              <a:rPr b="0" lang="ko-KR" sz="2000" spc="-1" strike="noStrike">
-                <a:solidFill>
-                  <a:srgbClr val="000000"/>
-                </a:solidFill>
-                <a:latin typeface="맑은 고딕"/>
-              </a:rPr>
-              <a:t>번째 개요 수준</a:t>
-            </a:r>
-            <a:endParaRPr b="0" lang="ko-KR" sz="2000" spc="-1" strike="noStrike">
-              <a:solidFill>
-                <a:srgbClr val="000000"/>
-              </a:solidFill>
-              <a:latin typeface="맑은 고딕"/>
-            </a:endParaRPr>
-          </a:p>
-          <a:p>
-            <a:pPr lvl="5" marL="2592000" indent="-216000">
+          </a:p>
+          <a:p>
+            <a:pPr marL="2592000" lvl="5" indent="-216000">
               <a:spcBef>
                 <a:spcPts val="283"/>
               </a:spcBef>
@@ -1835,32 +1939,17 @@
               <a:buChar char=""/>
             </a:pPr>
             <a:r>
-              <a:rPr b="0" lang="ko-KR" sz="2000" spc="-1" strike="noStrike">
+              <a:rPr lang="ko-KR" sz="2000" b="0" strike="noStrike" spc="-1">
                 <a:solidFill>
                   <a:srgbClr val="000000"/>
                 </a:solidFill>
                 <a:latin typeface="맑은 고딕"/>
               </a:rPr>
-              <a:t>6</a:t>
+              <a:t>6번째 개요 수준</a:t>
             </a:r>
-            <a:r>
-              <a:rPr b="0" lang="ko-KR" sz="2000" spc="-1" strike="noStrike">
-                <a:solidFill>
-                  <a:srgbClr val="000000"/>
-                </a:solidFill>
-                <a:latin typeface="맑은 고딕"/>
-              </a:rPr>
-              <a:t>번째 개요 수준</a:t>
-            </a:r>
-            <a:endParaRPr b="0" lang="ko-KR" sz="2000" spc="-1" strike="noStrike">
-              <a:solidFill>
-                <a:srgbClr val="000000"/>
-              </a:solidFill>
-              <a:latin typeface="맑은 고딕"/>
-            </a:endParaRPr>
-          </a:p>
-          <a:p>
-            <a:pPr lvl="6" marL="3024000" indent="-216000">
+          </a:p>
+          <a:p>
+            <a:pPr marL="3024000" lvl="6" indent="-216000">
               <a:spcBef>
                 <a:spcPts val="283"/>
               </a:spcBef>
@@ -1872,54 +1961,319 @@
               <a:buChar char=""/>
             </a:pPr>
             <a:r>
-              <a:rPr b="0" lang="ko-KR" sz="2000" spc="-1" strike="noStrike">
+              <a:rPr lang="ko-KR" sz="2000" b="0" strike="noStrike" spc="-1">
                 <a:solidFill>
                   <a:srgbClr val="000000"/>
                 </a:solidFill>
                 <a:latin typeface="맑은 고딕"/>
               </a:rPr>
-              <a:t>7</a:t>
+              <a:t>7번째 개요 수준</a:t>
             </a:r>
-            <a:r>
-              <a:rPr b="0" lang="ko-KR" sz="2000" spc="-1" strike="noStrike">
-                <a:solidFill>
-                  <a:srgbClr val="000000"/>
-                </a:solidFill>
-                <a:latin typeface="맑은 고딕"/>
-              </a:rPr>
-              <a:t>번째 개요 수준</a:t>
-            </a:r>
-            <a:endParaRPr b="0" lang="ko-KR" sz="2000" spc="-1" strike="noStrike">
-              <a:solidFill>
-                <a:srgbClr val="000000"/>
-              </a:solidFill>
-              <a:latin typeface="맑은 고딕"/>
-            </a:endParaRPr>
           </a:p>
         </p:txBody>
       </p:sp>
     </p:spTree>
   </p:cSld>
-  <p:clrMap bg1="lt1" bg2="lt2" tx1="dk1" tx2="dk2" accent1="accent1" accent2="accent2" accent3="accent3" accent4="accent4" accent5="accent5" accent6="accent6" hlink="hlink" folHlink="folHlink"/>
+  <p:clrMap bg1="lt1" tx1="dk1" bg2="lt2" tx2="dk2" accent1="accent1" accent2="accent2" accent3="accent3" accent4="accent4" accent5="accent5" accent6="accent6" hlink="hlink" folHlink="folHlink"/>
   <p:sldLayoutIdLst>
-    <p:sldLayoutId id="2147483649" r:id="rId3"/>
-    <p:sldLayoutId id="2147483650" r:id="rId4"/>
-    <p:sldLayoutId id="2147483651" r:id="rId5"/>
-    <p:sldLayoutId id="2147483652" r:id="rId6"/>
-    <p:sldLayoutId id="2147483653" r:id="rId7"/>
-    <p:sldLayoutId id="2147483654" r:id="rId8"/>
-    <p:sldLayoutId id="2147483655" r:id="rId9"/>
-    <p:sldLayoutId id="2147483656" r:id="rId10"/>
-    <p:sldLayoutId id="2147483657" r:id="rId11"/>
-    <p:sldLayoutId id="2147483658" r:id="rId12"/>
-    <p:sldLayoutId id="2147483659" r:id="rId13"/>
-    <p:sldLayoutId id="2147483660" r:id="rId14"/>
+    <p:sldLayoutId id="2147483649" r:id="rId1"/>
+    <p:sldLayoutId id="2147483650" r:id="rId2"/>
+    <p:sldLayoutId id="2147483651" r:id="rId3"/>
+    <p:sldLayoutId id="2147483652" r:id="rId4"/>
+    <p:sldLayoutId id="2147483653" r:id="rId5"/>
+    <p:sldLayoutId id="2147483654" r:id="rId6"/>
+    <p:sldLayoutId id="2147483655" r:id="rId7"/>
+    <p:sldLayoutId id="2147483656" r:id="rId8"/>
+    <p:sldLayoutId id="2147483657" r:id="rId9"/>
+    <p:sldLayoutId id="2147483658" r:id="rId10"/>
+    <p:sldLayoutId id="2147483659" r:id="rId11"/>
+    <p:sldLayoutId id="2147483660" r:id="rId12"/>
   </p:sldLayoutIdLst>
+  <p:txStyles>
+    <p:titleStyle>
+      <a:lvl1pPr algn="l" defTabSz="914400" rtl="0" eaLnBrk="1" latinLnBrk="1" hangingPunct="1">
+        <a:lnSpc>
+          <a:spcPct val="90000"/>
+        </a:lnSpc>
+        <a:spcBef>
+          <a:spcPct val="0"/>
+        </a:spcBef>
+        <a:buNone/>
+        <a:defRPr sz="4400" kern="1200">
+          <a:solidFill>
+            <a:schemeClr val="tx1"/>
+          </a:solidFill>
+          <a:latin typeface="+mj-lt"/>
+          <a:ea typeface="+mj-ea"/>
+          <a:cs typeface="+mj-cs"/>
+        </a:defRPr>
+      </a:lvl1pPr>
+    </p:titleStyle>
+    <p:bodyStyle>
+      <a:lvl1pPr marL="228600" indent="-228600" algn="l" defTabSz="914400" rtl="0" eaLnBrk="1" latinLnBrk="1" hangingPunct="1">
+        <a:lnSpc>
+          <a:spcPct val="90000"/>
+        </a:lnSpc>
+        <a:spcBef>
+          <a:spcPts val="1000"/>
+        </a:spcBef>
+        <a:buFont typeface="Arial" panose="020B0604020202020204" pitchFamily="34" charset="0"/>
+        <a:buChar char="•"/>
+        <a:defRPr sz="2800" kern="1200">
+          <a:solidFill>
+            <a:schemeClr val="tx1"/>
+          </a:solidFill>
+          <a:latin typeface="+mn-lt"/>
+          <a:ea typeface="+mn-ea"/>
+          <a:cs typeface="+mn-cs"/>
+        </a:defRPr>
+      </a:lvl1pPr>
+      <a:lvl2pPr marL="685800" indent="-228600" algn="l" defTabSz="914400" rtl="0" eaLnBrk="1" latinLnBrk="1" hangingPunct="1">
+        <a:lnSpc>
+          <a:spcPct val="90000"/>
+        </a:lnSpc>
+        <a:spcBef>
+          <a:spcPts val="500"/>
+        </a:spcBef>
+        <a:buFont typeface="Arial" panose="020B0604020202020204" pitchFamily="34" charset="0"/>
+        <a:buChar char="•"/>
+        <a:defRPr sz="2400" kern="1200">
+          <a:solidFill>
+            <a:schemeClr val="tx1"/>
+          </a:solidFill>
+          <a:latin typeface="+mn-lt"/>
+          <a:ea typeface="+mn-ea"/>
+          <a:cs typeface="+mn-cs"/>
+        </a:defRPr>
+      </a:lvl2pPr>
+      <a:lvl3pPr marL="1143000" indent="-228600" algn="l" defTabSz="914400" rtl="0" eaLnBrk="1" latinLnBrk="1" hangingPunct="1">
+        <a:lnSpc>
+          <a:spcPct val="90000"/>
+        </a:lnSpc>
+        <a:spcBef>
+          <a:spcPts val="500"/>
+        </a:spcBef>
+        <a:buFont typeface="Arial" panose="020B0604020202020204" pitchFamily="34" charset="0"/>
+        <a:buChar char="•"/>
+        <a:defRPr sz="2000" kern="1200">
+          <a:solidFill>
+            <a:schemeClr val="tx1"/>
+          </a:solidFill>
+          <a:latin typeface="+mn-lt"/>
+          <a:ea typeface="+mn-ea"/>
+          <a:cs typeface="+mn-cs"/>
+        </a:defRPr>
+      </a:lvl3pPr>
+      <a:lvl4pPr marL="1600200" indent="-228600" algn="l" defTabSz="914400" rtl="0" eaLnBrk="1" latinLnBrk="1" hangingPunct="1">
+        <a:lnSpc>
+          <a:spcPct val="90000"/>
+        </a:lnSpc>
+        <a:spcBef>
+          <a:spcPts val="500"/>
+        </a:spcBef>
+        <a:buFont typeface="Arial" panose="020B0604020202020204" pitchFamily="34" charset="0"/>
+        <a:buChar char="•"/>
+        <a:defRPr sz="1800" kern="1200">
+          <a:solidFill>
+            <a:schemeClr val="tx1"/>
+          </a:solidFill>
+          <a:latin typeface="+mn-lt"/>
+          <a:ea typeface="+mn-ea"/>
+          <a:cs typeface="+mn-cs"/>
+        </a:defRPr>
+      </a:lvl4pPr>
+      <a:lvl5pPr marL="2057400" indent="-228600" algn="l" defTabSz="914400" rtl="0" eaLnBrk="1" latinLnBrk="1" hangingPunct="1">
+        <a:lnSpc>
+          <a:spcPct val="90000"/>
+        </a:lnSpc>
+        <a:spcBef>
+          <a:spcPts val="500"/>
+        </a:spcBef>
+        <a:buFont typeface="Arial" panose="020B0604020202020204" pitchFamily="34" charset="0"/>
+        <a:buChar char="•"/>
+        <a:defRPr sz="1800" kern="1200">
+          <a:solidFill>
+            <a:schemeClr val="tx1"/>
+          </a:solidFill>
+          <a:latin typeface="+mn-lt"/>
+          <a:ea typeface="+mn-ea"/>
+          <a:cs typeface="+mn-cs"/>
+        </a:defRPr>
+      </a:lvl5pPr>
+      <a:lvl6pPr marL="2514600" indent="-228600" algn="l" defTabSz="914400" rtl="0" eaLnBrk="1" latinLnBrk="1" hangingPunct="1">
+        <a:lnSpc>
+          <a:spcPct val="90000"/>
+        </a:lnSpc>
+        <a:spcBef>
+          <a:spcPts val="500"/>
+        </a:spcBef>
+        <a:buFont typeface="Arial" panose="020B0604020202020204" pitchFamily="34" charset="0"/>
+        <a:buChar char="•"/>
+        <a:defRPr sz="1800" kern="1200">
+          <a:solidFill>
+            <a:schemeClr val="tx1"/>
+          </a:solidFill>
+          <a:latin typeface="+mn-lt"/>
+          <a:ea typeface="+mn-ea"/>
+          <a:cs typeface="+mn-cs"/>
+        </a:defRPr>
+      </a:lvl6pPr>
+      <a:lvl7pPr marL="2971800" indent="-228600" algn="l" defTabSz="914400" rtl="0" eaLnBrk="1" latinLnBrk="1" hangingPunct="1">
+        <a:lnSpc>
+          <a:spcPct val="90000"/>
+        </a:lnSpc>
+        <a:spcBef>
+          <a:spcPts val="500"/>
+        </a:spcBef>
+        <a:buFont typeface="Arial" panose="020B0604020202020204" pitchFamily="34" charset="0"/>
+        <a:buChar char="•"/>
+        <a:defRPr sz="1800" kern="1200">
+          <a:solidFill>
+            <a:schemeClr val="tx1"/>
+          </a:solidFill>
+          <a:latin typeface="+mn-lt"/>
+          <a:ea typeface="+mn-ea"/>
+          <a:cs typeface="+mn-cs"/>
+        </a:defRPr>
+      </a:lvl7pPr>
+      <a:lvl8pPr marL="3429000" indent="-228600" algn="l" defTabSz="914400" rtl="0" eaLnBrk="1" latinLnBrk="1" hangingPunct="1">
+        <a:lnSpc>
+          <a:spcPct val="90000"/>
+        </a:lnSpc>
+        <a:spcBef>
+          <a:spcPts val="500"/>
+        </a:spcBef>
+        <a:buFont typeface="Arial" panose="020B0604020202020204" pitchFamily="34" charset="0"/>
+        <a:buChar char="•"/>
+        <a:defRPr sz="1800" kern="1200">
+          <a:solidFill>
+            <a:schemeClr val="tx1"/>
+          </a:solidFill>
+          <a:latin typeface="+mn-lt"/>
+          <a:ea typeface="+mn-ea"/>
+          <a:cs typeface="+mn-cs"/>
+        </a:defRPr>
+      </a:lvl8pPr>
+      <a:lvl9pPr marL="3886200" indent="-228600" algn="l" defTabSz="914400" rtl="0" eaLnBrk="1" latinLnBrk="1" hangingPunct="1">
+        <a:lnSpc>
+          <a:spcPct val="90000"/>
+        </a:lnSpc>
+        <a:spcBef>
+          <a:spcPts val="500"/>
+        </a:spcBef>
+        <a:buFont typeface="Arial" panose="020B0604020202020204" pitchFamily="34" charset="0"/>
+        <a:buChar char="•"/>
+        <a:defRPr sz="1800" kern="1200">
+          <a:solidFill>
+            <a:schemeClr val="tx1"/>
+          </a:solidFill>
+          <a:latin typeface="+mn-lt"/>
+          <a:ea typeface="+mn-ea"/>
+          <a:cs typeface="+mn-cs"/>
+        </a:defRPr>
+      </a:lvl9pPr>
+    </p:bodyStyle>
+    <p:otherStyle>
+      <a:defPPr>
+        <a:defRPr lang="ko-KR"/>
+      </a:defPPr>
+      <a:lvl1pPr marL="0" algn="l" defTabSz="914400" rtl="0" eaLnBrk="1" latinLnBrk="1" hangingPunct="1">
+        <a:defRPr sz="1800" kern="1200">
+          <a:solidFill>
+            <a:schemeClr val="tx1"/>
+          </a:solidFill>
+          <a:latin typeface="+mn-lt"/>
+          <a:ea typeface="+mn-ea"/>
+          <a:cs typeface="+mn-cs"/>
+        </a:defRPr>
+      </a:lvl1pPr>
+      <a:lvl2pPr marL="457200" algn="l" defTabSz="914400" rtl="0" eaLnBrk="1" latinLnBrk="1" hangingPunct="1">
+        <a:defRPr sz="1800" kern="1200">
+          <a:solidFill>
+            <a:schemeClr val="tx1"/>
+          </a:solidFill>
+          <a:latin typeface="+mn-lt"/>
+          <a:ea typeface="+mn-ea"/>
+          <a:cs typeface="+mn-cs"/>
+        </a:defRPr>
+      </a:lvl2pPr>
+      <a:lvl3pPr marL="914400" algn="l" defTabSz="914400" rtl="0" eaLnBrk="1" latinLnBrk="1" hangingPunct="1">
+        <a:defRPr sz="1800" kern="1200">
+          <a:solidFill>
+            <a:schemeClr val="tx1"/>
+          </a:solidFill>
+          <a:latin typeface="+mn-lt"/>
+          <a:ea typeface="+mn-ea"/>
+          <a:cs typeface="+mn-cs"/>
+        </a:defRPr>
+      </a:lvl3pPr>
+      <a:lvl4pPr marL="1371600" algn="l" defTabSz="914400" rtl="0" eaLnBrk="1" latinLnBrk="1" hangingPunct="1">
+        <a:defRPr sz="1800" kern="1200">
+          <a:solidFill>
+            <a:schemeClr val="tx1"/>
+          </a:solidFill>
+          <a:latin typeface="+mn-lt"/>
+          <a:ea typeface="+mn-ea"/>
+          <a:cs typeface="+mn-cs"/>
+        </a:defRPr>
+      </a:lvl4pPr>
+      <a:lvl5pPr marL="1828800" algn="l" defTabSz="914400" rtl="0" eaLnBrk="1" latinLnBrk="1" hangingPunct="1">
+        <a:defRPr sz="1800" kern="1200">
+          <a:solidFill>
+            <a:schemeClr val="tx1"/>
+          </a:solidFill>
+          <a:latin typeface="+mn-lt"/>
+          <a:ea typeface="+mn-ea"/>
+          <a:cs typeface="+mn-cs"/>
+        </a:defRPr>
+      </a:lvl5pPr>
+      <a:lvl6pPr marL="2286000" algn="l" defTabSz="914400" rtl="0" eaLnBrk="1" latinLnBrk="1" hangingPunct="1">
+        <a:defRPr sz="1800" kern="1200">
+          <a:solidFill>
+            <a:schemeClr val="tx1"/>
+          </a:solidFill>
+          <a:latin typeface="+mn-lt"/>
+          <a:ea typeface="+mn-ea"/>
+          <a:cs typeface="+mn-cs"/>
+        </a:defRPr>
+      </a:lvl6pPr>
+      <a:lvl7pPr marL="2743200" algn="l" defTabSz="914400" rtl="0" eaLnBrk="1" latinLnBrk="1" hangingPunct="1">
+        <a:defRPr sz="1800" kern="1200">
+          <a:solidFill>
+            <a:schemeClr val="tx1"/>
+          </a:solidFill>
+          <a:latin typeface="+mn-lt"/>
+          <a:ea typeface="+mn-ea"/>
+          <a:cs typeface="+mn-cs"/>
+        </a:defRPr>
+      </a:lvl7pPr>
+      <a:lvl8pPr marL="3200400" algn="l" defTabSz="914400" rtl="0" eaLnBrk="1" latinLnBrk="1" hangingPunct="1">
+        <a:defRPr sz="1800" kern="1200">
+          <a:solidFill>
+            <a:schemeClr val="tx1"/>
+          </a:solidFill>
+          <a:latin typeface="+mn-lt"/>
+          <a:ea typeface="+mn-ea"/>
+          <a:cs typeface="+mn-cs"/>
+        </a:defRPr>
+      </a:lvl8pPr>
+      <a:lvl9pPr marL="3657600" algn="l" defTabSz="914400" rtl="0" eaLnBrk="1" latinLnBrk="1" hangingPunct="1">
+        <a:defRPr sz="1800" kern="1200">
+          <a:solidFill>
+            <a:schemeClr val="tx1"/>
+          </a:solidFill>
+          <a:latin typeface="+mn-lt"/>
+          <a:ea typeface="+mn-ea"/>
+          <a:cs typeface="+mn-cs"/>
+        </a:defRPr>
+      </a:lvl9pPr>
+    </p:otherStyle>
+  </p:txStyles>
 </p:sldMaster>
 </file>
 
 <file path=ppt/slides/slide1.xml><?xml version="1.0" encoding="utf-8"?>
-<p:sld xmlns:a="http://schemas.openxmlformats.org/drawingml/2006/main" xmlns:p="http://schemas.openxmlformats.org/presentationml/2006/main" xmlns:r="http://schemas.openxmlformats.org/officeDocument/2006/relationships" xmlns:p14="http://schemas.microsoft.com/office/powerpoint/2010/main" xmlns:p15="http://schemas.microsoft.com/office/powerpoint/2012/main" xmlns:mc="http://schemas.openxmlformats.org/markup-compatibility/2006">
+<p:sld xmlns:a="http://schemas.openxmlformats.org/drawingml/2006/main" xmlns:r="http://schemas.openxmlformats.org/officeDocument/2006/relationships" xmlns:p="http://schemas.openxmlformats.org/presentationml/2006/main">
   <p:cSld>
     <p:spTree>
       <p:nvGrpSpPr>
@@ -1943,7 +2297,7 @@
         </p:nvSpPr>
         <p:spPr>
           <a:xfrm>
-            <a:off x="1097280" y="3343680"/>
+            <a:off x="712967" y="3343680"/>
             <a:ext cx="10058040" cy="981360"/>
           </a:xfrm>
           <a:prstGeom prst="rect">
@@ -1956,8 +2310,9 @@
         </p:spPr>
         <p:txBody>
           <a:bodyPr anchor="b">
-            <a:normAutofit/>
+            <a:normAutofit fontScale="92500"/>
           </a:bodyPr>
+          <a:lstStyle/>
           <a:p>
             <a:pPr>
               <a:lnSpc>
@@ -1965,26 +2320,167 @@
               </a:lnSpc>
             </a:pPr>
             <a:r>
-              <a:rPr b="1" lang="ko-KR" sz="5400" spc="-1" strike="noStrike">
+              <a:rPr lang="ko-KR" sz="5400" b="1" strike="noStrike" spc="-1" dirty="0" err="1">
+                <a:solidFill>
+                  <a:srgbClr val="000000"/>
+                </a:solidFill>
+                <a:effectLst>
+                  <a:outerShdw blurRad="38100" dist="38100" dir="2700000" algn="tl">
+                    <a:srgbClr val="000000">
+                      <a:alpha val="43137"/>
+                    </a:srgbClr>
+                  </a:outerShdw>
+                </a:effectLst>
+                <a:latin typeface="나눔스퀘어 ExtraBold"/>
+                <a:ea typeface="나눔스퀘어 ExtraBold"/>
+              </a:rPr>
+              <a:t>Ray</a:t>
+            </a:r>
+            <a:r>
+              <a:rPr lang="ko-KR" sz="5400" b="1" strike="noStrike" spc="-1" dirty="0">
+                <a:solidFill>
+                  <a:srgbClr val="000000"/>
+                </a:solidFill>
+                <a:effectLst>
+                  <a:outerShdw blurRad="38100" dist="38100" dir="2700000" algn="tl">
+                    <a:srgbClr val="000000">
+                      <a:alpha val="43137"/>
+                    </a:srgbClr>
+                  </a:outerShdw>
+                </a:effectLst>
+                <a:latin typeface="나눔스퀘어 ExtraBold"/>
+                <a:ea typeface="나눔스퀘어 ExtraBold"/>
+              </a:rPr>
+              <a:t> </a:t>
+            </a:r>
+            <a:r>
+              <a:rPr lang="ko-KR" sz="5400" b="1" strike="noStrike" spc="-1" dirty="0" err="1">
+                <a:solidFill>
+                  <a:srgbClr val="000000"/>
+                </a:solidFill>
+                <a:effectLst>
+                  <a:outerShdw blurRad="38100" dist="38100" dir="2700000" algn="tl">
+                    <a:srgbClr val="000000">
+                      <a:alpha val="43137"/>
+                    </a:srgbClr>
+                  </a:outerShdw>
+                </a:effectLst>
+                <a:latin typeface="나눔스퀘어 ExtraBold"/>
+                <a:ea typeface="나눔스퀘어 ExtraBold"/>
+              </a:rPr>
+              <a:t>Tracing</a:t>
+            </a:r>
+            <a:r>
+              <a:rPr lang="ko-KR" sz="5400" b="1" strike="noStrike" spc="-1" dirty="0">
                 <a:solidFill>
                   <a:srgbClr val="000000"/>
                 </a:solidFill>
                 <a:latin typeface="나눔스퀘어 ExtraBold"/>
                 <a:ea typeface="나눔스퀘어 ExtraBold"/>
               </a:rPr>
-              <a:t>Ray Tracing : </a:t>
+              <a:t> : </a:t>
             </a:r>
             <a:r>
-              <a:rPr b="0" lang="ko-KR" sz="4800" spc="-1" strike="noStrike">
+              <a:rPr lang="ko-KR" sz="4800" b="0" strike="noStrike" spc="-1" dirty="0" err="1">
                 <a:solidFill>
                   <a:srgbClr val="000000"/>
                 </a:solidFill>
                 <a:latin typeface="나눔스퀘어"/>
                 <a:ea typeface="나눔스퀘어"/>
               </a:rPr>
-              <a:t>In A Weekend</a:t>
+              <a:t>In</a:t>
             </a:r>
-            <a:endParaRPr b="0" lang="ko-KR" sz="4800" spc="-1" strike="noStrike">
+            <a:r>
+              <a:rPr lang="ko-KR" sz="4800" b="0" strike="noStrike" spc="-1" dirty="0">
+                <a:solidFill>
+                  <a:srgbClr val="000000"/>
+                </a:solidFill>
+                <a:latin typeface="나눔스퀘어"/>
+                <a:ea typeface="나눔스퀘어"/>
+              </a:rPr>
+              <a:t> </a:t>
+            </a:r>
+            <a:r>
+              <a:rPr lang="ko-KR" sz="4800" b="0" strike="noStrike" spc="-1" dirty="0" err="1">
+                <a:solidFill>
+                  <a:srgbClr val="000000"/>
+                </a:solidFill>
+                <a:latin typeface="나눔스퀘어"/>
+                <a:ea typeface="나눔스퀘어"/>
+              </a:rPr>
+              <a:t>A</a:t>
+            </a:r>
+            <a:r>
+              <a:rPr lang="ko-KR" sz="4800" b="0" strike="noStrike" spc="-1" dirty="0">
+                <a:solidFill>
+                  <a:srgbClr val="000000"/>
+                </a:solidFill>
+                <a:latin typeface="나눔스퀘어"/>
+                <a:ea typeface="나눔스퀘어"/>
+              </a:rPr>
+              <a:t> </a:t>
+            </a:r>
+            <a:r>
+              <a:rPr lang="ko-KR" sz="4800" b="0" strike="noStrike" spc="-1" dirty="0" err="1">
+                <a:solidFill>
+                  <a:srgbClr val="000000"/>
+                </a:solidFill>
+                <a:latin typeface="나눔스퀘어"/>
+                <a:ea typeface="나눔스퀘어"/>
+              </a:rPr>
+              <a:t>Weekend</a:t>
+            </a:r>
+            <a:r>
+              <a:rPr lang="en-US" altLang="ko-KR" sz="4800" spc="-1" dirty="0">
+                <a:solidFill>
+                  <a:srgbClr val="000000"/>
+                </a:solidFill>
+                <a:latin typeface="나눔스퀘어"/>
+                <a:ea typeface="나눔스퀘어"/>
+              </a:rPr>
+              <a:t> </a:t>
+            </a:r>
+            <a:r>
+              <a:rPr lang="en-US" altLang="ko-KR" sz="2400" spc="-1" dirty="0">
+                <a:solidFill>
+                  <a:srgbClr val="000000"/>
+                </a:solidFill>
+                <a:latin typeface="나눔스퀘어"/>
+                <a:ea typeface="나눔스퀘어"/>
+              </a:rPr>
+              <a:t>(</a:t>
+            </a:r>
+            <a:r>
+              <a:rPr lang="en-US" altLang="ko-KR" sz="2400" b="0" strike="noStrike" spc="-1" dirty="0">
+                <a:solidFill>
+                  <a:srgbClr val="000000"/>
+                </a:solidFill>
+                <a:latin typeface="나눔스퀘어"/>
+                <a:ea typeface="나눔스퀘어"/>
+              </a:rPr>
+              <a:t>with a </a:t>
+            </a:r>
+            <a:r>
+              <a:rPr lang="en-US" altLang="ko-KR" sz="2400" b="1" strike="noStrike" spc="-1" dirty="0">
+                <a:solidFill>
+                  <a:srgbClr val="000000"/>
+                </a:solidFill>
+                <a:latin typeface="나눔스퀘어"/>
+                <a:ea typeface="나눔스퀘어"/>
+              </a:rPr>
+              <a:t>Python</a:t>
+            </a:r>
+            <a:r>
+              <a:rPr lang="en-US" altLang="ko-KR" sz="2400" b="0" strike="noStrike" spc="-1" dirty="0">
+                <a:solidFill>
+                  <a:srgbClr val="000000"/>
+                </a:solidFill>
+                <a:latin typeface="나눔스퀘어"/>
+                <a:ea typeface="나눔스퀘어"/>
+              </a:rPr>
+              <a:t>)</a:t>
+            </a:r>
+            <a:endParaRPr lang="ko-KR" sz="4800" b="0" strike="noStrike" spc="-1" dirty="0">
               <a:solidFill>
                 <a:srgbClr val="000000"/>
               </a:solidFill>
@@ -2001,7 +2497,7 @@
         </p:nvSpPr>
         <p:spPr>
           <a:xfrm>
-            <a:off x="1100160" y="4455720"/>
+            <a:off x="715847" y="4581876"/>
             <a:ext cx="10058040" cy="1142640"/>
           </a:xfrm>
           <a:prstGeom prst="rect">
@@ -2014,6 +2510,7 @@
         </p:spPr>
         <p:txBody>
           <a:bodyPr/>
+          <a:lstStyle/>
           <a:p>
             <a:pPr>
               <a:lnSpc>
@@ -2024,26 +2521,26 @@
               </a:spcBef>
             </a:pPr>
             <a:r>
-              <a:rPr b="0" lang="en-US" sz="2400" spc="-1" strike="noStrike">
+              <a:rPr lang="en-US" sz="2400" b="0" strike="noStrike" spc="-1" dirty="0">
                 <a:solidFill>
-                  <a:srgbClr val="2e75b6"/>
+                  <a:srgbClr val="2E75B6"/>
                 </a:solidFill>
                 <a:latin typeface="나눔스퀘어"/>
                 <a:ea typeface="나눔스퀘어"/>
               </a:rPr>
-              <a:t>16 </a:t>
+              <a:t>16 신지홍 </a:t>
             </a:r>
             <a:r>
-              <a:rPr b="0" lang="en-US" sz="2400" spc="-1" strike="noStrike">
+              <a:rPr lang="en-US" sz="2400" b="0" strike="noStrike" spc="-1" dirty="0" err="1">
                 <a:solidFill>
-                  <a:srgbClr val="2e75b6"/>
+                  <a:srgbClr val="2E75B6"/>
                 </a:solidFill>
                 <a:latin typeface="나눔스퀘어"/>
                 <a:ea typeface="나눔스퀘어"/>
               </a:rPr>
-              <a:t>신지홍 정보컴퓨터공학부</a:t>
+              <a:t>정보컴퓨터공학부</a:t>
             </a:r>
-            <a:endParaRPr b="0" lang="en-US" sz="2400" spc="-1" strike="noStrike">
+            <a:endParaRPr lang="en-US" sz="2400" b="0" strike="noStrike" spc="-1" dirty="0">
               <a:latin typeface="굴림"/>
             </a:endParaRPr>
           </a:p>
@@ -2057,7 +2554,7 @@
         </p:nvSpPr>
         <p:spPr>
           <a:xfrm>
-            <a:off x="1097280" y="4433400"/>
+            <a:off x="712967" y="4433400"/>
             <a:ext cx="10058400" cy="360"/>
           </a:xfrm>
           <a:prstGeom prst="line">
@@ -2084,14 +2581,9 @@
       </p:sp>
     </p:spTree>
   </p:cSld>
-  <mc:AlternateContent>
-    <mc:Choice Requires="p14">
-      <p:transition spd="slow" p14:dur="2000"/>
-    </mc:Choice>
-    <mc:Fallback>
-      <p:transition spd="slow"/>
-    </mc:Fallback>
-  </mc:AlternateContent>
+  <p:clrMapOvr>
+    <a:masterClrMapping/>
+  </p:clrMapOvr>
   <p:timing>
     <p:tnLst>
       <p:par>
@@ -2100,14 +2592,14 @@
             <p:seq>
               <p:cTn id="2" dur="indefinite" nodeType="mainSeq"/>
               <p:prevCondLst>
-                <p:cond delay="0" evt="onPrev">
+                <p:cond evt="onPrev" delay="0">
                   <p:tgtEl>
                     <p:sldTgt/>
                   </p:tgtEl>
                 </p:cond>
               </p:prevCondLst>
               <p:nextCondLst>
-                <p:cond delay="0" evt="onNext">
+                <p:cond evt="onNext" delay="0">
                   <p:tgtEl>
                     <p:sldTgt/>
                   </p:tgtEl>
@@ -2123,7 +2615,7 @@
 </file>
 
 <file path=ppt/slides/slide2.xml><?xml version="1.0" encoding="utf-8"?>
-<p:sld xmlns:a="http://schemas.openxmlformats.org/drawingml/2006/main" xmlns:p="http://schemas.openxmlformats.org/presentationml/2006/main" xmlns:r="http://schemas.openxmlformats.org/officeDocument/2006/relationships" xmlns:p14="http://schemas.microsoft.com/office/powerpoint/2010/main" xmlns:p15="http://schemas.microsoft.com/office/powerpoint/2012/main" xmlns:mc="http://schemas.openxmlformats.org/markup-compatibility/2006">
+<p:sld xmlns:a="http://schemas.openxmlformats.org/drawingml/2006/main" xmlns:r="http://schemas.openxmlformats.org/officeDocument/2006/relationships" xmlns:p="http://schemas.openxmlformats.org/presentationml/2006/main">
   <p:cSld>
     <p:spTree>
       <p:nvGrpSpPr>
@@ -2141,12 +2633,12 @@
       </p:grpSpPr>
       <p:pic>
         <p:nvPicPr>
-          <p:cNvPr id="44" name="Picture 4" descr=""/>
+          <p:cNvPr id="44" name="Picture 4"/>
           <p:cNvPicPr/>
           <p:nvPr/>
         </p:nvPicPr>
         <p:blipFill>
-          <a:blip r:embed="rId1"/>
+          <a:blip r:embed="rId2"/>
           <a:stretch/>
         </p:blipFill>
         <p:spPr>
@@ -2164,30 +2656,25 @@
       </p:pic>
     </p:spTree>
   </p:cSld>
-  <mc:AlternateContent>
-    <mc:Choice Requires="p14">
-      <p:transition spd="slow" p14:dur="2000"/>
-    </mc:Choice>
-    <mc:Fallback>
-      <p:transition spd="slow"/>
-    </mc:Fallback>
-  </mc:AlternateContent>
+  <p:clrMapOvr>
+    <a:masterClrMapping/>
+  </p:clrMapOvr>
   <p:timing>
     <p:tnLst>
       <p:par>
-        <p:cTn id="3" dur="indefinite" restart="never" nodeType="tmRoot">
+        <p:cTn id="1" dur="indefinite" restart="never" nodeType="tmRoot">
           <p:childTnLst>
             <p:seq>
-              <p:cTn id="4" dur="indefinite" nodeType="mainSeq"/>
+              <p:cTn id="2" dur="indefinite" nodeType="mainSeq"/>
               <p:prevCondLst>
-                <p:cond delay="0" evt="onPrev">
+                <p:cond evt="onPrev" delay="0">
                   <p:tgtEl>
                     <p:sldTgt/>
                   </p:tgtEl>
                 </p:cond>
               </p:prevCondLst>
               <p:nextCondLst>
-                <p:cond delay="0" evt="onNext">
+                <p:cond evt="onNext" delay="0">
                   <p:tgtEl>
                     <p:sldTgt/>
                   </p:tgtEl>
@@ -2203,7 +2690,7 @@
 </file>
 
 <file path=ppt/slides/slide3.xml><?xml version="1.0" encoding="utf-8"?>
-<p:sld xmlns:a="http://schemas.openxmlformats.org/drawingml/2006/main" xmlns:p="http://schemas.openxmlformats.org/presentationml/2006/main" xmlns:r="http://schemas.openxmlformats.org/officeDocument/2006/relationships" xmlns:p14="http://schemas.microsoft.com/office/powerpoint/2010/main" xmlns:p15="http://schemas.microsoft.com/office/powerpoint/2012/main" xmlns:mc="http://schemas.openxmlformats.org/markup-compatibility/2006">
+<p:sld xmlns:a="http://schemas.openxmlformats.org/drawingml/2006/main" xmlns:r="http://schemas.openxmlformats.org/officeDocument/2006/relationships" xmlns:p="http://schemas.openxmlformats.org/presentationml/2006/main">
   <p:cSld>
     <p:spTree>
       <p:nvGrpSpPr>
@@ -2221,17 +2708,17 @@
       </p:grpSpPr>
       <p:pic>
         <p:nvPicPr>
-          <p:cNvPr id="45" name="" descr=""/>
+          <p:cNvPr id="45" name="그림 44"/>
           <p:cNvPicPr/>
           <p:nvPr/>
         </p:nvPicPr>
         <p:blipFill>
-          <a:blip r:embed="rId1"/>
+          <a:blip r:embed="rId2"/>
           <a:stretch/>
         </p:blipFill>
         <p:spPr>
           <a:xfrm>
-            <a:off x="1728000" y="714960"/>
+            <a:off x="1754504" y="741464"/>
             <a:ext cx="8585280" cy="4829040"/>
           </a:xfrm>
           <a:prstGeom prst="rect">
@@ -2250,8 +2737,8 @@
         </p:nvSpPr>
         <p:spPr>
           <a:xfrm>
-            <a:off x="144000" y="6160680"/>
-            <a:ext cx="7011360" cy="326880"/>
+            <a:off x="409044" y="6414052"/>
+            <a:ext cx="7011360" cy="443948"/>
           </a:xfrm>
           <a:prstGeom prst="rect">
             <a:avLst/>
@@ -2262,52 +2749,44 @@
           </a:ln>
         </p:spPr>
         <p:txBody>
-          <a:bodyPr lIns="90000" rIns="90000" tIns="45000" bIns="45000"/>
+          <a:bodyPr lIns="90000" tIns="45000" rIns="90000" bIns="45000"/>
+          <a:lstStyle/>
           <a:p>
             <a:r>
-              <a:rPr b="0" lang="en-US" sz="1400" spc="-1" strike="noStrike">
+              <a:rPr lang="en-US" sz="1100" b="0" strike="noStrike" spc="-1" dirty="0">
                 <a:solidFill>
-                  <a:srgbClr val="eeeeee"/>
+                  <a:schemeClr val="bg1">
+                    <a:lumMod val="85000"/>
+                  </a:schemeClr>
                 </a:solidFill>
                 <a:latin typeface="맑은 고딕"/>
               </a:rPr>
               <a:t>1) https://twitter.com/gamersnexus/status/1065921443790241793</a:t>
             </a:r>
-            <a:endParaRPr b="0" lang="en-US" sz="1400" spc="-1" strike="noStrike">
-              <a:solidFill>
-                <a:srgbClr val="eeeeee"/>
-              </a:solidFill>
-              <a:latin typeface="맑은 고딕"/>
-            </a:endParaRPr>
           </a:p>
         </p:txBody>
       </p:sp>
     </p:spTree>
   </p:cSld>
-  <mc:AlternateContent>
-    <mc:Choice Requires="p14">
-      <p:transition spd="slow" p14:dur="2000"/>
-    </mc:Choice>
-    <mc:Fallback>
-      <p:transition spd="slow"/>
-    </mc:Fallback>
-  </mc:AlternateContent>
+  <p:clrMapOvr>
+    <a:masterClrMapping/>
+  </p:clrMapOvr>
   <p:timing>
     <p:tnLst>
       <p:par>
-        <p:cTn id="5" dur="indefinite" restart="never" nodeType="tmRoot">
+        <p:cTn id="1" dur="indefinite" restart="never" nodeType="tmRoot">
           <p:childTnLst>
             <p:seq>
-              <p:cTn id="6" dur="indefinite" nodeType="mainSeq"/>
+              <p:cTn id="2" dur="indefinite" nodeType="mainSeq"/>
               <p:prevCondLst>
-                <p:cond delay="0" evt="onPrev">
+                <p:cond evt="onPrev" delay="0">
                   <p:tgtEl>
                     <p:sldTgt/>
                   </p:tgtEl>
                 </p:cond>
               </p:prevCondLst>
               <p:nextCondLst>
-                <p:cond delay="0" evt="onNext">
+                <p:cond evt="onNext" delay="0">
                   <p:tgtEl>
                     <p:sldTgt/>
                   </p:tgtEl>
@@ -2323,7 +2802,7 @@
 </file>
 
 <file path=ppt/slides/slide4.xml><?xml version="1.0" encoding="utf-8"?>
-<p:sld xmlns:a="http://schemas.openxmlformats.org/drawingml/2006/main" xmlns:p="http://schemas.openxmlformats.org/presentationml/2006/main" xmlns:r="http://schemas.openxmlformats.org/officeDocument/2006/relationships" xmlns:p14="http://schemas.microsoft.com/office/powerpoint/2010/main" xmlns:p15="http://schemas.microsoft.com/office/powerpoint/2012/main" xmlns:mc="http://schemas.openxmlformats.org/markup-compatibility/2006">
+<p:sld xmlns:a="http://schemas.openxmlformats.org/drawingml/2006/main" xmlns:r="http://schemas.openxmlformats.org/officeDocument/2006/relationships" xmlns:p="http://schemas.openxmlformats.org/presentationml/2006/main">
   <p:cSld>
     <p:spTree>
       <p:nvGrpSpPr>
@@ -2341,14 +2820,14 @@
       </p:grpSpPr>
       <p:sp>
         <p:nvSpPr>
-          <p:cNvPr id="47" name="TextShape 1"/>
+          <p:cNvPr id="48" name="TextShape 2"/>
           <p:cNvSpPr txBox="1"/>
           <p:nvPr/>
         </p:nvSpPr>
         <p:spPr>
           <a:xfrm>
-            <a:off x="144000" y="6160680"/>
-            <a:ext cx="7011360" cy="326880"/>
+            <a:off x="470760" y="197145"/>
+            <a:ext cx="10058040" cy="981360"/>
           </a:xfrm>
           <a:prstGeom prst="rect">
             <a:avLst/>
@@ -2359,49 +2838,10 @@
           </a:ln>
         </p:spPr>
         <p:txBody>
-          <a:bodyPr lIns="90000" rIns="90000" tIns="45000" bIns="45000"/>
-          <a:p>
-            <a:r>
-              <a:rPr b="0" lang="en-US" sz="1400" spc="-1" strike="noStrike">
-                <a:solidFill>
-                  <a:srgbClr val="eeeeee"/>
-                </a:solidFill>
-                <a:latin typeface="맑은 고딕"/>
-              </a:rPr>
-              <a:t>1) https://twitter.com/gamersnexus/status/1065921443790241793</a:t>
-            </a:r>
-            <a:endParaRPr b="0" lang="en-US" sz="1400" spc="-1" strike="noStrike">
-              <a:solidFill>
-                <a:srgbClr val="eeeeee"/>
-              </a:solidFill>
-              <a:latin typeface="맑은 고딕"/>
-            </a:endParaRPr>
-          </a:p>
-        </p:txBody>
-      </p:sp>
-      <p:sp>
-        <p:nvSpPr>
-          <p:cNvPr id="48" name="TextShape 2"/>
-          <p:cNvSpPr txBox="1"/>
-          <p:nvPr/>
-        </p:nvSpPr>
-        <p:spPr>
-          <a:xfrm>
-            <a:off x="165960" y="170640"/>
-            <a:ext cx="10058040" cy="981360"/>
-          </a:xfrm>
-          <a:prstGeom prst="rect">
-            <a:avLst/>
-          </a:prstGeom>
-          <a:noFill/>
-          <a:ln>
-            <a:noFill/>
-          </a:ln>
-        </p:spPr>
-        <p:txBody>
           <a:bodyPr anchor="b">
             <a:normAutofit/>
           </a:bodyPr>
+          <a:lstStyle/>
           <a:p>
             <a:pPr>
               <a:lnSpc>
@@ -2409,7 +2849,7 @@
               </a:lnSpc>
             </a:pPr>
             <a:r>
-              <a:rPr b="1" lang="ko-KR" sz="5400" spc="-1" strike="noStrike">
+              <a:rPr lang="ko-KR" sz="5400" b="1" strike="noStrike" spc="-1">
                 <a:solidFill>
                   <a:srgbClr val="000000"/>
                 </a:solidFill>
@@ -2418,41 +2858,97 @@
               </a:rPr>
               <a:t>RTX</a:t>
             </a:r>
-            <a:endParaRPr b="0" lang="ko-KR" sz="5400" spc="-1" strike="noStrike">
-              <a:solidFill>
-                <a:srgbClr val="000000"/>
-              </a:solidFill>
-              <a:latin typeface="맑은 고딕"/>
-            </a:endParaRPr>
+            <a:endParaRPr lang="ko-KR" sz="5400" b="0" strike="noStrike" spc="-1">
+              <a:solidFill>
+                <a:srgbClr val="000000"/>
+              </a:solidFill>
+              <a:latin typeface="맑은 고딕"/>
+            </a:endParaRPr>
+          </a:p>
+        </p:txBody>
+      </p:sp>
+      <p:sp>
+        <p:nvSpPr>
+          <p:cNvPr id="2" name="직사각형 1">
+            <a:extLst>
+              <a:ext uri="{FF2B5EF4-FFF2-40B4-BE49-F238E27FC236}">
+                <a16:creationId xmlns:a16="http://schemas.microsoft.com/office/drawing/2014/main" id="{A3E0483F-7D52-4785-9EA9-4FF04DD7D544}"/>
+              </a:ext>
+            </a:extLst>
+          </p:cNvPr>
+          <p:cNvSpPr/>
+          <p:nvPr/>
+        </p:nvSpPr>
+        <p:spPr>
+          <a:xfrm>
+            <a:off x="874644" y="3198167"/>
+            <a:ext cx="10442712" cy="461665"/>
+          </a:xfrm>
+          <a:prstGeom prst="rect">
+            <a:avLst/>
+          </a:prstGeom>
+        </p:spPr>
+        <p:txBody>
+          <a:bodyPr wrap="square">
+            <a:spAutoFit/>
+          </a:bodyPr>
+          <a:lstStyle/>
+          <a:p>
+            <a:r>
+              <a:rPr lang="en-US" altLang="ko-KR" sz="2400" b="0" i="0" dirty="0">
+                <a:solidFill>
+                  <a:srgbClr val="222222"/>
+                </a:solidFill>
+                <a:effectLst/>
+                <a:latin typeface="Apple SD Gothic Neo"/>
+              </a:rPr>
+              <a:t>interface for real-time ray tracing for rendering graphics that was created by </a:t>
+            </a:r>
+            <a:r>
+              <a:rPr lang="en-US" altLang="ko-KR" sz="2400" b="1" i="0" dirty="0">
+                <a:solidFill>
+                  <a:srgbClr val="222222"/>
+                </a:solidFill>
+                <a:effectLst/>
+                <a:latin typeface="Apple SD Gothic Neo"/>
+              </a:rPr>
+              <a:t>Nvidia</a:t>
+            </a:r>
+            <a:r>
+              <a:rPr lang="en-US" altLang="ko-KR" sz="2400" b="0" i="0" dirty="0">
+                <a:solidFill>
+                  <a:srgbClr val="222222"/>
+                </a:solidFill>
+                <a:effectLst/>
+                <a:latin typeface="Apple SD Gothic Neo"/>
+              </a:rPr>
+              <a:t>.</a:t>
+            </a:r>
+            <a:endParaRPr lang="ko-KR" altLang="en-US" sz="2400" dirty="0"/>
           </a:p>
         </p:txBody>
       </p:sp>
     </p:spTree>
   </p:cSld>
-  <mc:AlternateContent>
-    <mc:Choice Requires="p14">
-      <p:transition spd="slow" p14:dur="2000"/>
-    </mc:Choice>
-    <mc:Fallback>
-      <p:transition spd="slow"/>
-    </mc:Fallback>
-  </mc:AlternateContent>
+  <p:clrMapOvr>
+    <a:masterClrMapping/>
+  </p:clrMapOvr>
   <p:timing>
     <p:tnLst>
       <p:par>
-        <p:cTn id="7" dur="indefinite" restart="never" nodeType="tmRoot">
+        <p:cTn id="1" dur="indefinite" restart="never" nodeType="tmRoot">
           <p:childTnLst>
             <p:seq>
-              <p:cTn id="8" dur="indefinite" nodeType="mainSeq"/>
+              <p:cTn id="2" dur="indefinite" nodeType="mainSeq"/>
               <p:prevCondLst>
-                <p:cond delay="0" evt="onPrev">
+                <p:cond evt="onPrev" delay="0">
                   <p:tgtEl>
                     <p:sldTgt/>
                   </p:tgtEl>
                 </p:cond>
               </p:prevCondLst>
               <p:nextCondLst>
-                <p:cond delay="0" evt="onNext">
+                <p:cond evt="onNext" delay="0">
                   <p:tgtEl>
                     <p:sldTgt/>
                   </p:tgtEl>
@@ -2478,34 +2974,34 @@
         <a:sysClr val="window" lastClr="FFFFFF"/>
       </a:lt1>
       <a:dk2>
-        <a:srgbClr val="44546a"/>
+        <a:srgbClr val="44546A"/>
       </a:dk2>
       <a:lt2>
-        <a:srgbClr val="e7e6e6"/>
+        <a:srgbClr val="E7E6E6"/>
       </a:lt2>
       <a:accent1>
-        <a:srgbClr val="4472c4"/>
+        <a:srgbClr val="4472C4"/>
       </a:accent1>
       <a:accent2>
-        <a:srgbClr val="ed7d31"/>
+        <a:srgbClr val="ED7D31"/>
       </a:accent2>
       <a:accent3>
-        <a:srgbClr val="a5a5a5"/>
+        <a:srgbClr val="A5A5A5"/>
       </a:accent3>
       <a:accent4>
-        <a:srgbClr val="ffc000"/>
+        <a:srgbClr val="FFC000"/>
       </a:accent4>
       <a:accent5>
-        <a:srgbClr val="5b9bd5"/>
+        <a:srgbClr val="5B9BD5"/>
       </a:accent5>
       <a:accent6>
-        <a:srgbClr val="70ad47"/>
+        <a:srgbClr val="70AD47"/>
       </a:accent6>
       <a:hlink>
-        <a:srgbClr val="0563c1"/>
+        <a:srgbClr val="0563C1"/>
       </a:hlink>
       <a:folHlink>
-        <a:srgbClr val="954f72"/>
+        <a:srgbClr val="954F72"/>
       </a:folHlink>
     </a:clrScheme>
     <a:fontScheme name="Office">
@@ -2687,5 +3183,7 @@
       </a:bgFillStyleLst>
     </a:fmtScheme>
   </a:themeElements>
+  <a:objectDefaults/>
+  <a:extraClrSchemeLst/>
 </a:theme>
 </file>
--- a/Presentation/RayTracing.pptx
+++ b/Presentation/RayTracing.pptx
@@ -143,6 +143,35 @@
     </p:ext>
   </p:extLst>
 </p:presentation>
+</file>
+
+<file path=ppt/changesInfos/changesInfo1.xml><?xml version="1.0" encoding="utf-8"?>
+<pc:chgInfo xmlns:a="http://schemas.openxmlformats.org/drawingml/2006/main" xmlns:r="http://schemas.openxmlformats.org/officeDocument/2006/relationships" xmlns:ac="http://schemas.microsoft.com/office/drawing/2013/main/command" xmlns:pc="http://schemas.microsoft.com/office/powerpoint/2013/main/command">
+  <pc:docChgLst>
+    <pc:chgData name="신 지홍" userId="00e158c356a6c7c3" providerId="LiveId" clId="{D0CFD45B-2027-4D31-9A49-92507A6A24A1}"/>
+    <pc:docChg chg="custSel modSld">
+      <pc:chgData name="신 지홍" userId="00e158c356a6c7c3" providerId="LiveId" clId="{D0CFD45B-2027-4D31-9A49-92507A6A24A1}" dt="2019-04-26T04:15:50.560" v="21" actId="27636"/>
+      <pc:docMkLst>
+        <pc:docMk/>
+      </pc:docMkLst>
+      <pc:sldChg chg="modSp">
+        <pc:chgData name="신 지홍" userId="00e158c356a6c7c3" providerId="LiveId" clId="{D0CFD45B-2027-4D31-9A49-92507A6A24A1}" dt="2019-04-26T04:15:50.560" v="21" actId="27636"/>
+        <pc:sldMkLst>
+          <pc:docMk/>
+          <pc:sldMk cId="3530769560" sldId="264"/>
+        </pc:sldMkLst>
+        <pc:spChg chg="mod">
+          <ac:chgData name="신 지홍" userId="00e158c356a6c7c3" providerId="LiveId" clId="{D0CFD45B-2027-4D31-9A49-92507A6A24A1}" dt="2019-04-26T04:15:50.560" v="21" actId="27636"/>
+          <ac:spMkLst>
+            <pc:docMk/>
+            <pc:sldMk cId="3530769560" sldId="264"/>
+            <ac:spMk id="45" creationId="{F9032CEA-35E9-4F87-84A2-2F5CC13392F4}"/>
+          </ac:spMkLst>
+        </pc:spChg>
+      </pc:sldChg>
+    </pc:docChg>
+  </pc:docChgLst>
+</pc:chgInfo>
 </file>
 
 <file path=ppt/slideLayouts/slideLayout1.xml><?xml version="1.0" encoding="utf-8"?>
@@ -34284,8 +34313,8 @@
           </a:fontRef>
         </p:style>
       </p:cxnSp>
-      <mc:AlternateContent xmlns:mc="http://schemas.openxmlformats.org/markup-compatibility/2006">
-        <mc:Choice xmlns:a14="http://schemas.microsoft.com/office/drawing/2010/main" Requires="a14">
+      <mc:AlternateContent xmlns:mc="http://schemas.openxmlformats.org/markup-compatibility/2006" xmlns:a14="http://schemas.microsoft.com/office/drawing/2010/main">
+        <mc:Choice Requires="a14">
           <p:sp>
             <p:nvSpPr>
               <p:cNvPr id="83" name="직사각형 82">
@@ -34361,7 +34390,7 @@
             </p:txBody>
           </p:sp>
         </mc:Choice>
-        <mc:Fallback>
+        <mc:Fallback xmlns="">
           <p:sp>
             <p:nvSpPr>
               <p:cNvPr id="83" name="직사각형 82">
@@ -36923,7 +36952,7 @@
                   </am3d:trans>
                   <am3d:attrSrcUrl r:id="rId3"/>
                   <am3d:raster rName="Office3DRenderer" rVer="16.0.8326">
-                    <am3d:blip r:embed="rId4"/>
+                    <am3d:blip r:embed="rId5"/>
                   </am3d:raster>
                   <am3d:objViewport viewportSz="3005243"/>
                   <am3d:ambientLight>
@@ -55284,7 +55313,7 @@
         <p:spPr>
           <a:xfrm>
             <a:off x="7190621" y="1620371"/>
-            <a:ext cx="4064369" cy="3617258"/>
+            <a:ext cx="4253519" cy="3617258"/>
           </a:xfrm>
           <a:prstGeom prst="rect">
             <a:avLst/>
@@ -55468,7 +55497,7 @@
                 <a:latin typeface="Consolas" panose="020B0609020204030204" pitchFamily="49" charset="0"/>
                 <a:ea typeface="나눔스퀘어 Bold" panose="020B0600000101010101" pitchFamily="50" charset="-127"/>
               </a:rPr>
-              <a:t>    R = </a:t>
+              <a:t>    R = (</a:t>
             </a:r>
             <a:r>
               <a:rPr lang="en-US" altLang="ko-KR" sz="2200" spc="-1" dirty="0" err="1">
@@ -55488,7 +55517,7 @@
                 <a:latin typeface="Consolas" panose="020B0609020204030204" pitchFamily="49" charset="0"/>
                 <a:ea typeface="나눔스퀘어 Bold" panose="020B0600000101010101" pitchFamily="50" charset="-127"/>
               </a:rPr>
-              <a:t> * 255 / width</a:t>
+              <a:t> / width)  * 255</a:t>
             </a:r>
           </a:p>
           <a:p>
@@ -55505,7 +55534,7 @@
                 <a:latin typeface="Consolas" panose="020B0609020204030204" pitchFamily="49" charset="0"/>
                 <a:ea typeface="나눔스퀘어 Bold" panose="020B0600000101010101" pitchFamily="50" charset="-127"/>
               </a:rPr>
-              <a:t>    G = j * 255 / height</a:t>
+              <a:t>    G = (j / height) * 255</a:t>
             </a:r>
           </a:p>
           <a:p>
